--- a/Documentazione/Presentazione/Presentazione_GestioneEsercizi.pptx
+++ b/Documentazione/Presentazione/Presentazione_GestioneEsercizi.pptx
@@ -4,6 +4,9 @@
   <p:sldMasterIdLst>
     <p:sldMasterId id="2147483729" r:id="rId1"/>
   </p:sldMasterIdLst>
+  <p:notesMasterIdLst>
+    <p:notesMasterId r:id="rId29"/>
+  </p:notesMasterIdLst>
   <p:sldIdLst>
     <p:sldId id="256" r:id="rId2"/>
     <p:sldId id="257" r:id="rId3"/>
@@ -138,6 +141,3161 @@
 </p:presentation>
 </file>
 
+<file path=ppt/notesMasters/notesMaster1.xml><?xml version="1.0" encoding="utf-8"?>
+<p:notesMaster xmlns:a="http://schemas.openxmlformats.org/drawingml/2006/main" xmlns:r="http://schemas.openxmlformats.org/officeDocument/2006/relationships" xmlns:p="http://schemas.openxmlformats.org/presentationml/2006/main">
+  <p:cSld>
+    <p:bg>
+      <p:bgRef idx="1001">
+        <a:schemeClr val="bg1"/>
+      </p:bgRef>
+    </p:bg>
+    <p:spTree>
+      <p:nvGrpSpPr>
+        <p:cNvPr id="1" name=""/>
+        <p:cNvGrpSpPr/>
+        <p:nvPr/>
+      </p:nvGrpSpPr>
+      <p:grpSpPr>
+        <a:xfrm>
+          <a:off x="0" y="0"/>
+          <a:ext cx="0" cy="0"/>
+          <a:chOff x="0" y="0"/>
+          <a:chExt cx="0" cy="0"/>
+        </a:xfrm>
+      </p:grpSpPr>
+      <p:sp>
+        <p:nvSpPr>
+          <p:cNvPr id="2" name="Segnaposto intestazione 1"/>
+          <p:cNvSpPr>
+            <a:spLocks noGrp="1"/>
+          </p:cNvSpPr>
+          <p:nvPr>
+            <p:ph type="hdr" sz="quarter"/>
+          </p:nvPr>
+        </p:nvSpPr>
+        <p:spPr>
+          <a:xfrm>
+            <a:off x="0" y="0"/>
+            <a:ext cx="2971800" cy="458788"/>
+          </a:xfrm>
+          <a:prstGeom prst="rect">
+            <a:avLst/>
+          </a:prstGeom>
+        </p:spPr>
+        <p:txBody>
+          <a:bodyPr vert="horz" lIns="91440" tIns="45720" rIns="91440" bIns="45720" rtlCol="0"/>
+          <a:lstStyle>
+            <a:lvl1pPr algn="l">
+              <a:defRPr sz="1200"/>
+            </a:lvl1pPr>
+          </a:lstStyle>
+          <a:p>
+            <a:endParaRPr lang="it-IT"/>
+          </a:p>
+        </p:txBody>
+      </p:sp>
+      <p:sp>
+        <p:nvSpPr>
+          <p:cNvPr id="3" name="Segnaposto data 2"/>
+          <p:cNvSpPr>
+            <a:spLocks noGrp="1"/>
+          </p:cNvSpPr>
+          <p:nvPr>
+            <p:ph type="dt" idx="1"/>
+          </p:nvPr>
+        </p:nvSpPr>
+        <p:spPr>
+          <a:xfrm>
+            <a:off x="3884613" y="0"/>
+            <a:ext cx="2971800" cy="458788"/>
+          </a:xfrm>
+          <a:prstGeom prst="rect">
+            <a:avLst/>
+          </a:prstGeom>
+        </p:spPr>
+        <p:txBody>
+          <a:bodyPr vert="horz" lIns="91440" tIns="45720" rIns="91440" bIns="45720" rtlCol="0"/>
+          <a:lstStyle>
+            <a:lvl1pPr algn="r">
+              <a:defRPr sz="1200"/>
+            </a:lvl1pPr>
+          </a:lstStyle>
+          <a:p>
+            <a:fld id="{FD5713DB-1FFF-49F5-8143-2E50002279E4}" type="datetimeFigureOut">
+              <a:rPr lang="it-IT" smtClean="0"/>
+              <a:t>14/01/2020</a:t>
+            </a:fld>
+            <a:endParaRPr lang="it-IT"/>
+          </a:p>
+        </p:txBody>
+      </p:sp>
+      <p:sp>
+        <p:nvSpPr>
+          <p:cNvPr id="4" name="Segnaposto immagine diapositiva 3"/>
+          <p:cNvSpPr>
+            <a:spLocks noGrp="1" noRot="1" noChangeAspect="1"/>
+          </p:cNvSpPr>
+          <p:nvPr>
+            <p:ph type="sldImg" idx="2"/>
+          </p:nvPr>
+        </p:nvSpPr>
+        <p:spPr>
+          <a:xfrm>
+            <a:off x="685800" y="1143000"/>
+            <a:ext cx="5486400" cy="3086100"/>
+          </a:xfrm>
+          <a:prstGeom prst="rect">
+            <a:avLst/>
+          </a:prstGeom>
+          <a:noFill/>
+          <a:ln w="12700">
+            <a:solidFill>
+              <a:prstClr val="black"/>
+            </a:solidFill>
+          </a:ln>
+        </p:spPr>
+        <p:txBody>
+          <a:bodyPr vert="horz" lIns="91440" tIns="45720" rIns="91440" bIns="45720" rtlCol="0" anchor="ctr"/>
+          <a:lstStyle/>
+          <a:p>
+            <a:endParaRPr lang="it-IT"/>
+          </a:p>
+        </p:txBody>
+      </p:sp>
+      <p:sp>
+        <p:nvSpPr>
+          <p:cNvPr id="5" name="Segnaposto note 4"/>
+          <p:cNvSpPr>
+            <a:spLocks noGrp="1"/>
+          </p:cNvSpPr>
+          <p:nvPr>
+            <p:ph type="body" sz="quarter" idx="3"/>
+          </p:nvPr>
+        </p:nvSpPr>
+        <p:spPr>
+          <a:xfrm>
+            <a:off x="685800" y="4400550"/>
+            <a:ext cx="5486400" cy="3600450"/>
+          </a:xfrm>
+          <a:prstGeom prst="rect">
+            <a:avLst/>
+          </a:prstGeom>
+        </p:spPr>
+        <p:txBody>
+          <a:bodyPr vert="horz" lIns="91440" tIns="45720" rIns="91440" bIns="45720" rtlCol="0"/>
+          <a:lstStyle/>
+          <a:p>
+            <a:pPr lvl="0"/>
+            <a:r>
+              <a:rPr lang="it-IT" smtClean="0"/>
+              <a:t>Modifica gli stili del testo dello schema</a:t>
+            </a:r>
+          </a:p>
+          <a:p>
+            <a:pPr lvl="1"/>
+            <a:r>
+              <a:rPr lang="it-IT" smtClean="0"/>
+              <a:t>Secondo livello</a:t>
+            </a:r>
+          </a:p>
+          <a:p>
+            <a:pPr lvl="2"/>
+            <a:r>
+              <a:rPr lang="it-IT" smtClean="0"/>
+              <a:t>Terzo livello</a:t>
+            </a:r>
+          </a:p>
+          <a:p>
+            <a:pPr lvl="3"/>
+            <a:r>
+              <a:rPr lang="it-IT" smtClean="0"/>
+              <a:t>Quarto livello</a:t>
+            </a:r>
+          </a:p>
+          <a:p>
+            <a:pPr lvl="4"/>
+            <a:r>
+              <a:rPr lang="it-IT" smtClean="0"/>
+              <a:t>Quinto livello</a:t>
+            </a:r>
+            <a:endParaRPr lang="it-IT"/>
+          </a:p>
+        </p:txBody>
+      </p:sp>
+      <p:sp>
+        <p:nvSpPr>
+          <p:cNvPr id="6" name="Segnaposto piè di pagina 5"/>
+          <p:cNvSpPr>
+            <a:spLocks noGrp="1"/>
+          </p:cNvSpPr>
+          <p:nvPr>
+            <p:ph type="ftr" sz="quarter" idx="4"/>
+          </p:nvPr>
+        </p:nvSpPr>
+        <p:spPr>
+          <a:xfrm>
+            <a:off x="0" y="8685213"/>
+            <a:ext cx="2971800" cy="458787"/>
+          </a:xfrm>
+          <a:prstGeom prst="rect">
+            <a:avLst/>
+          </a:prstGeom>
+        </p:spPr>
+        <p:txBody>
+          <a:bodyPr vert="horz" lIns="91440" tIns="45720" rIns="91440" bIns="45720" rtlCol="0" anchor="b"/>
+          <a:lstStyle>
+            <a:lvl1pPr algn="l">
+              <a:defRPr sz="1200"/>
+            </a:lvl1pPr>
+          </a:lstStyle>
+          <a:p>
+            <a:endParaRPr lang="it-IT"/>
+          </a:p>
+        </p:txBody>
+      </p:sp>
+      <p:sp>
+        <p:nvSpPr>
+          <p:cNvPr id="7" name="Segnaposto numero diapositiva 6"/>
+          <p:cNvSpPr>
+            <a:spLocks noGrp="1"/>
+          </p:cNvSpPr>
+          <p:nvPr>
+            <p:ph type="sldNum" sz="quarter" idx="5"/>
+          </p:nvPr>
+        </p:nvSpPr>
+        <p:spPr>
+          <a:xfrm>
+            <a:off x="3884613" y="8685213"/>
+            <a:ext cx="2971800" cy="458787"/>
+          </a:xfrm>
+          <a:prstGeom prst="rect">
+            <a:avLst/>
+          </a:prstGeom>
+        </p:spPr>
+        <p:txBody>
+          <a:bodyPr vert="horz" lIns="91440" tIns="45720" rIns="91440" bIns="45720" rtlCol="0" anchor="b"/>
+          <a:lstStyle>
+            <a:lvl1pPr algn="r">
+              <a:defRPr sz="1200"/>
+            </a:lvl1pPr>
+          </a:lstStyle>
+          <a:p>
+            <a:fld id="{C9F759E3-7C15-48EC-99FB-12CADBBBCA5E}" type="slidenum">
+              <a:rPr lang="it-IT" smtClean="0"/>
+              <a:t>‹N›</a:t>
+            </a:fld>
+            <a:endParaRPr lang="it-IT"/>
+          </a:p>
+        </p:txBody>
+      </p:sp>
+    </p:spTree>
+    <p:extLst>
+      <p:ext uri="{BB962C8B-B14F-4D97-AF65-F5344CB8AC3E}">
+        <p14:creationId xmlns:p14="http://schemas.microsoft.com/office/powerpoint/2010/main" val="1065162646"/>
+      </p:ext>
+    </p:extLst>
+  </p:cSld>
+  <p:clrMap bg1="lt1" tx1="dk1" bg2="lt2" tx2="dk2" accent1="accent1" accent2="accent2" accent3="accent3" accent4="accent4" accent5="accent5" accent6="accent6" hlink="hlink" folHlink="folHlink"/>
+  <p:notesStyle>
+    <a:lvl1pPr marL="0" algn="l" defTabSz="914400" rtl="0" eaLnBrk="1" latinLnBrk="0" hangingPunct="1">
+      <a:defRPr sz="1200" kern="1200">
+        <a:solidFill>
+          <a:schemeClr val="tx1"/>
+        </a:solidFill>
+        <a:latin typeface="+mn-lt"/>
+        <a:ea typeface="+mn-ea"/>
+        <a:cs typeface="+mn-cs"/>
+      </a:defRPr>
+    </a:lvl1pPr>
+    <a:lvl2pPr marL="457200" algn="l" defTabSz="914400" rtl="0" eaLnBrk="1" latinLnBrk="0" hangingPunct="1">
+      <a:defRPr sz="1200" kern="1200">
+        <a:solidFill>
+          <a:schemeClr val="tx1"/>
+        </a:solidFill>
+        <a:latin typeface="+mn-lt"/>
+        <a:ea typeface="+mn-ea"/>
+        <a:cs typeface="+mn-cs"/>
+      </a:defRPr>
+    </a:lvl2pPr>
+    <a:lvl3pPr marL="914400" algn="l" defTabSz="914400" rtl="0" eaLnBrk="1" latinLnBrk="0" hangingPunct="1">
+      <a:defRPr sz="1200" kern="1200">
+        <a:solidFill>
+          <a:schemeClr val="tx1"/>
+        </a:solidFill>
+        <a:latin typeface="+mn-lt"/>
+        <a:ea typeface="+mn-ea"/>
+        <a:cs typeface="+mn-cs"/>
+      </a:defRPr>
+    </a:lvl3pPr>
+    <a:lvl4pPr marL="1371600" algn="l" defTabSz="914400" rtl="0" eaLnBrk="1" latinLnBrk="0" hangingPunct="1">
+      <a:defRPr sz="1200" kern="1200">
+        <a:solidFill>
+          <a:schemeClr val="tx1"/>
+        </a:solidFill>
+        <a:latin typeface="+mn-lt"/>
+        <a:ea typeface="+mn-ea"/>
+        <a:cs typeface="+mn-cs"/>
+      </a:defRPr>
+    </a:lvl4pPr>
+    <a:lvl5pPr marL="1828800" algn="l" defTabSz="914400" rtl="0" eaLnBrk="1" latinLnBrk="0" hangingPunct="1">
+      <a:defRPr sz="1200" kern="1200">
+        <a:solidFill>
+          <a:schemeClr val="tx1"/>
+        </a:solidFill>
+        <a:latin typeface="+mn-lt"/>
+        <a:ea typeface="+mn-ea"/>
+        <a:cs typeface="+mn-cs"/>
+      </a:defRPr>
+    </a:lvl5pPr>
+    <a:lvl6pPr marL="2286000" algn="l" defTabSz="914400" rtl="0" eaLnBrk="1" latinLnBrk="0" hangingPunct="1">
+      <a:defRPr sz="1200" kern="1200">
+        <a:solidFill>
+          <a:schemeClr val="tx1"/>
+        </a:solidFill>
+        <a:latin typeface="+mn-lt"/>
+        <a:ea typeface="+mn-ea"/>
+        <a:cs typeface="+mn-cs"/>
+      </a:defRPr>
+    </a:lvl6pPr>
+    <a:lvl7pPr marL="2743200" algn="l" defTabSz="914400" rtl="0" eaLnBrk="1" latinLnBrk="0" hangingPunct="1">
+      <a:defRPr sz="1200" kern="1200">
+        <a:solidFill>
+          <a:schemeClr val="tx1"/>
+        </a:solidFill>
+        <a:latin typeface="+mn-lt"/>
+        <a:ea typeface="+mn-ea"/>
+        <a:cs typeface="+mn-cs"/>
+      </a:defRPr>
+    </a:lvl7pPr>
+    <a:lvl8pPr marL="3200400" algn="l" defTabSz="914400" rtl="0" eaLnBrk="1" latinLnBrk="0" hangingPunct="1">
+      <a:defRPr sz="1200" kern="1200">
+        <a:solidFill>
+          <a:schemeClr val="tx1"/>
+        </a:solidFill>
+        <a:latin typeface="+mn-lt"/>
+        <a:ea typeface="+mn-ea"/>
+        <a:cs typeface="+mn-cs"/>
+      </a:defRPr>
+    </a:lvl8pPr>
+    <a:lvl9pPr marL="3657600" algn="l" defTabSz="914400" rtl="0" eaLnBrk="1" latinLnBrk="0" hangingPunct="1">
+      <a:defRPr sz="1200" kern="1200">
+        <a:solidFill>
+          <a:schemeClr val="tx1"/>
+        </a:solidFill>
+        <a:latin typeface="+mn-lt"/>
+        <a:ea typeface="+mn-ea"/>
+        <a:cs typeface="+mn-cs"/>
+      </a:defRPr>
+    </a:lvl9pPr>
+  </p:notesStyle>
+</p:notesMaster>
+</file>
+
+<file path=ppt/notesSlides/notesSlide1.xml><?xml version="1.0" encoding="utf-8"?>
+<p:notes xmlns:a="http://schemas.openxmlformats.org/drawingml/2006/main" xmlns:r="http://schemas.openxmlformats.org/officeDocument/2006/relationships" xmlns:p="http://schemas.openxmlformats.org/presentationml/2006/main">
+  <p:cSld>
+    <p:spTree>
+      <p:nvGrpSpPr>
+        <p:cNvPr id="1" name=""/>
+        <p:cNvGrpSpPr/>
+        <p:nvPr/>
+      </p:nvGrpSpPr>
+      <p:grpSpPr>
+        <a:xfrm>
+          <a:off x="0" y="0"/>
+          <a:ext cx="0" cy="0"/>
+          <a:chOff x="0" y="0"/>
+          <a:chExt cx="0" cy="0"/>
+        </a:xfrm>
+      </p:grpSpPr>
+      <p:sp>
+        <p:nvSpPr>
+          <p:cNvPr id="2" name="Segnaposto immagine diapositiva 1"/>
+          <p:cNvSpPr>
+            <a:spLocks noGrp="1" noRot="1" noChangeAspect="1"/>
+          </p:cNvSpPr>
+          <p:nvPr>
+            <p:ph type="sldImg"/>
+          </p:nvPr>
+        </p:nvSpPr>
+        <p:spPr/>
+      </p:sp>
+      <p:sp>
+        <p:nvSpPr>
+          <p:cNvPr id="3" name="Segnaposto note 2"/>
+          <p:cNvSpPr>
+            <a:spLocks noGrp="1"/>
+          </p:cNvSpPr>
+          <p:nvPr>
+            <p:ph type="body" idx="1"/>
+          </p:nvPr>
+        </p:nvSpPr>
+        <p:spPr/>
+        <p:txBody>
+          <a:bodyPr/>
+          <a:lstStyle/>
+          <a:p>
+            <a:r>
+              <a:rPr lang="it-IT" dirty="0" smtClean="0"/>
+              <a:t>Buongiorno</a:t>
+            </a:r>
+            <a:r>
+              <a:rPr lang="it-IT" baseline="0" dirty="0" smtClean="0"/>
+              <a:t> io sono Gabriele e questa è la presentazione del progetto di primo semestre Gestione Esercizi</a:t>
+            </a:r>
+            <a:endParaRPr lang="it-IT" dirty="0"/>
+          </a:p>
+        </p:txBody>
+      </p:sp>
+      <p:sp>
+        <p:nvSpPr>
+          <p:cNvPr id="4" name="Segnaposto numero diapositiva 3"/>
+          <p:cNvSpPr>
+            <a:spLocks noGrp="1"/>
+          </p:cNvSpPr>
+          <p:nvPr>
+            <p:ph type="sldNum" sz="quarter" idx="10"/>
+          </p:nvPr>
+        </p:nvSpPr>
+        <p:spPr/>
+        <p:txBody>
+          <a:bodyPr/>
+          <a:lstStyle/>
+          <a:p>
+            <a:fld id="{C9F759E3-7C15-48EC-99FB-12CADBBBCA5E}" type="slidenum">
+              <a:rPr lang="it-IT" smtClean="0"/>
+              <a:t>1</a:t>
+            </a:fld>
+            <a:endParaRPr lang="it-IT"/>
+          </a:p>
+        </p:txBody>
+      </p:sp>
+    </p:spTree>
+    <p:extLst>
+      <p:ext uri="{BB962C8B-B14F-4D97-AF65-F5344CB8AC3E}">
+        <p14:creationId xmlns:p14="http://schemas.microsoft.com/office/powerpoint/2010/main" val="864331292"/>
+      </p:ext>
+    </p:extLst>
+  </p:cSld>
+  <p:clrMapOvr>
+    <a:masterClrMapping/>
+  </p:clrMapOvr>
+</p:notes>
+</file>
+
+<file path=ppt/notesSlides/notesSlide10.xml><?xml version="1.0" encoding="utf-8"?>
+<p:notes xmlns:a="http://schemas.openxmlformats.org/drawingml/2006/main" xmlns:r="http://schemas.openxmlformats.org/officeDocument/2006/relationships" xmlns:p="http://schemas.openxmlformats.org/presentationml/2006/main">
+  <p:cSld>
+    <p:spTree>
+      <p:nvGrpSpPr>
+        <p:cNvPr id="1" name=""/>
+        <p:cNvGrpSpPr/>
+        <p:nvPr/>
+      </p:nvGrpSpPr>
+      <p:grpSpPr>
+        <a:xfrm>
+          <a:off x="0" y="0"/>
+          <a:ext cx="0" cy="0"/>
+          <a:chOff x="0" y="0"/>
+          <a:chExt cx="0" cy="0"/>
+        </a:xfrm>
+      </p:grpSpPr>
+      <p:sp>
+        <p:nvSpPr>
+          <p:cNvPr id="2" name="Segnaposto immagine diapositiva 1"/>
+          <p:cNvSpPr>
+            <a:spLocks noGrp="1" noRot="1" noChangeAspect="1"/>
+          </p:cNvSpPr>
+          <p:nvPr>
+            <p:ph type="sldImg"/>
+          </p:nvPr>
+        </p:nvSpPr>
+        <p:spPr/>
+      </p:sp>
+      <p:sp>
+        <p:nvSpPr>
+          <p:cNvPr id="3" name="Segnaposto note 2"/>
+          <p:cNvSpPr>
+            <a:spLocks noGrp="1"/>
+          </p:cNvSpPr>
+          <p:nvPr>
+            <p:ph type="body" idx="1"/>
+          </p:nvPr>
+        </p:nvSpPr>
+        <p:spPr/>
+        <p:txBody>
+          <a:bodyPr/>
+          <a:lstStyle/>
+          <a:p>
+            <a:r>
+              <a:rPr lang="it-IT" dirty="0" smtClean="0"/>
+              <a:t>Esempio</a:t>
+            </a:r>
+            <a:r>
+              <a:rPr lang="it-IT" baseline="0" dirty="0" smtClean="0"/>
+              <a:t> di Model: si definiscono i campi come da schema del database</a:t>
+            </a:r>
+          </a:p>
+          <a:p>
+            <a:r>
+              <a:rPr lang="it-IT" baseline="0" dirty="0" smtClean="0"/>
+              <a:t>Id perché se si vuole aggiungere un entità nella parte pratica il sistema lo necessita</a:t>
+            </a:r>
+          </a:p>
+        </p:txBody>
+      </p:sp>
+      <p:sp>
+        <p:nvSpPr>
+          <p:cNvPr id="4" name="Segnaposto numero diapositiva 3"/>
+          <p:cNvSpPr>
+            <a:spLocks noGrp="1"/>
+          </p:cNvSpPr>
+          <p:nvPr>
+            <p:ph type="sldNum" sz="quarter" idx="10"/>
+          </p:nvPr>
+        </p:nvSpPr>
+        <p:spPr/>
+        <p:txBody>
+          <a:bodyPr/>
+          <a:lstStyle/>
+          <a:p>
+            <a:fld id="{C9F759E3-7C15-48EC-99FB-12CADBBBCA5E}" type="slidenum">
+              <a:rPr lang="it-IT" smtClean="0"/>
+              <a:t>10</a:t>
+            </a:fld>
+            <a:endParaRPr lang="it-IT"/>
+          </a:p>
+        </p:txBody>
+      </p:sp>
+    </p:spTree>
+    <p:extLst>
+      <p:ext uri="{BB962C8B-B14F-4D97-AF65-F5344CB8AC3E}">
+        <p14:creationId xmlns:p14="http://schemas.microsoft.com/office/powerpoint/2010/main" val="1608133377"/>
+      </p:ext>
+    </p:extLst>
+  </p:cSld>
+  <p:clrMapOvr>
+    <a:masterClrMapping/>
+  </p:clrMapOvr>
+</p:notes>
+</file>
+
+<file path=ppt/notesSlides/notesSlide11.xml><?xml version="1.0" encoding="utf-8"?>
+<p:notes xmlns:a="http://schemas.openxmlformats.org/drawingml/2006/main" xmlns:r="http://schemas.openxmlformats.org/officeDocument/2006/relationships" xmlns:p="http://schemas.openxmlformats.org/presentationml/2006/main">
+  <p:cSld>
+    <p:spTree>
+      <p:nvGrpSpPr>
+        <p:cNvPr id="1" name=""/>
+        <p:cNvGrpSpPr/>
+        <p:nvPr/>
+      </p:nvGrpSpPr>
+      <p:grpSpPr>
+        <a:xfrm>
+          <a:off x="0" y="0"/>
+          <a:ext cx="0" cy="0"/>
+          <a:chOff x="0" y="0"/>
+          <a:chExt cx="0" cy="0"/>
+        </a:xfrm>
+      </p:grpSpPr>
+      <p:sp>
+        <p:nvSpPr>
+          <p:cNvPr id="2" name="Segnaposto immagine diapositiva 1"/>
+          <p:cNvSpPr>
+            <a:spLocks noGrp="1" noRot="1" noChangeAspect="1"/>
+          </p:cNvSpPr>
+          <p:nvPr>
+            <p:ph type="sldImg"/>
+          </p:nvPr>
+        </p:nvSpPr>
+        <p:spPr/>
+      </p:sp>
+      <p:sp>
+        <p:nvSpPr>
+          <p:cNvPr id="3" name="Segnaposto note 2"/>
+          <p:cNvSpPr>
+            <a:spLocks noGrp="1"/>
+          </p:cNvSpPr>
+          <p:nvPr>
+            <p:ph type="body" idx="1"/>
+          </p:nvPr>
+        </p:nvSpPr>
+        <p:spPr/>
+        <p:txBody>
+          <a:bodyPr/>
+          <a:lstStyle/>
+          <a:p>
+            <a:r>
+              <a:rPr lang="it-IT" dirty="0" smtClean="0"/>
+              <a:t>Classi che implementano interfacce utili</a:t>
+            </a:r>
+            <a:r>
+              <a:rPr lang="it-IT" baseline="0" dirty="0" smtClean="0"/>
+              <a:t> a eseguire operazioni sui dati</a:t>
+            </a:r>
+            <a:endParaRPr lang="it-IT" dirty="0"/>
+          </a:p>
+        </p:txBody>
+      </p:sp>
+      <p:sp>
+        <p:nvSpPr>
+          <p:cNvPr id="4" name="Segnaposto numero diapositiva 3"/>
+          <p:cNvSpPr>
+            <a:spLocks noGrp="1"/>
+          </p:cNvSpPr>
+          <p:nvPr>
+            <p:ph type="sldNum" sz="quarter" idx="10"/>
+          </p:nvPr>
+        </p:nvSpPr>
+        <p:spPr/>
+        <p:txBody>
+          <a:bodyPr/>
+          <a:lstStyle/>
+          <a:p>
+            <a:fld id="{C9F759E3-7C15-48EC-99FB-12CADBBBCA5E}" type="slidenum">
+              <a:rPr lang="it-IT" smtClean="0"/>
+              <a:t>11</a:t>
+            </a:fld>
+            <a:endParaRPr lang="it-IT"/>
+          </a:p>
+        </p:txBody>
+      </p:sp>
+    </p:spTree>
+    <p:extLst>
+      <p:ext uri="{BB962C8B-B14F-4D97-AF65-F5344CB8AC3E}">
+        <p14:creationId xmlns:p14="http://schemas.microsoft.com/office/powerpoint/2010/main" val="700374461"/>
+      </p:ext>
+    </p:extLst>
+  </p:cSld>
+  <p:clrMapOvr>
+    <a:masterClrMapping/>
+  </p:clrMapOvr>
+</p:notes>
+</file>
+
+<file path=ppt/notesSlides/notesSlide12.xml><?xml version="1.0" encoding="utf-8"?>
+<p:notes xmlns:a="http://schemas.openxmlformats.org/drawingml/2006/main" xmlns:r="http://schemas.openxmlformats.org/officeDocument/2006/relationships" xmlns:p="http://schemas.openxmlformats.org/presentationml/2006/main">
+  <p:cSld>
+    <p:spTree>
+      <p:nvGrpSpPr>
+        <p:cNvPr id="1" name=""/>
+        <p:cNvGrpSpPr/>
+        <p:nvPr/>
+      </p:nvGrpSpPr>
+      <p:grpSpPr>
+        <a:xfrm>
+          <a:off x="0" y="0"/>
+          <a:ext cx="0" cy="0"/>
+          <a:chOff x="0" y="0"/>
+          <a:chExt cx="0" cy="0"/>
+        </a:xfrm>
+      </p:grpSpPr>
+      <p:sp>
+        <p:nvSpPr>
+          <p:cNvPr id="2" name="Segnaposto immagine diapositiva 1"/>
+          <p:cNvSpPr>
+            <a:spLocks noGrp="1" noRot="1" noChangeAspect="1"/>
+          </p:cNvSpPr>
+          <p:nvPr>
+            <p:ph type="sldImg"/>
+          </p:nvPr>
+        </p:nvSpPr>
+        <p:spPr/>
+      </p:sp>
+      <p:sp>
+        <p:nvSpPr>
+          <p:cNvPr id="3" name="Segnaposto note 2"/>
+          <p:cNvSpPr>
+            <a:spLocks noGrp="1"/>
+          </p:cNvSpPr>
+          <p:nvPr>
+            <p:ph type="body" idx="1"/>
+          </p:nvPr>
+        </p:nvSpPr>
+        <p:spPr/>
+        <p:txBody>
+          <a:bodyPr/>
+          <a:lstStyle/>
+          <a:p>
+            <a:r>
+              <a:rPr lang="it-IT" dirty="0" smtClean="0"/>
+              <a:t>Mentre le classi che implementano</a:t>
+            </a:r>
+            <a:r>
+              <a:rPr lang="it-IT" baseline="0" dirty="0" smtClean="0"/>
+              <a:t> le interfacce definiscono il contesto dei dati</a:t>
+            </a:r>
+            <a:endParaRPr lang="it-IT" dirty="0"/>
+          </a:p>
+        </p:txBody>
+      </p:sp>
+      <p:sp>
+        <p:nvSpPr>
+          <p:cNvPr id="4" name="Segnaposto numero diapositiva 3"/>
+          <p:cNvSpPr>
+            <a:spLocks noGrp="1"/>
+          </p:cNvSpPr>
+          <p:nvPr>
+            <p:ph type="sldNum" sz="quarter" idx="10"/>
+          </p:nvPr>
+        </p:nvSpPr>
+        <p:spPr/>
+        <p:txBody>
+          <a:bodyPr/>
+          <a:lstStyle/>
+          <a:p>
+            <a:fld id="{C9F759E3-7C15-48EC-99FB-12CADBBBCA5E}" type="slidenum">
+              <a:rPr lang="it-IT" smtClean="0"/>
+              <a:t>12</a:t>
+            </a:fld>
+            <a:endParaRPr lang="it-IT"/>
+          </a:p>
+        </p:txBody>
+      </p:sp>
+    </p:spTree>
+    <p:extLst>
+      <p:ext uri="{BB962C8B-B14F-4D97-AF65-F5344CB8AC3E}">
+        <p14:creationId xmlns:p14="http://schemas.microsoft.com/office/powerpoint/2010/main" val="1510916092"/>
+      </p:ext>
+    </p:extLst>
+  </p:cSld>
+  <p:clrMapOvr>
+    <a:masterClrMapping/>
+  </p:clrMapOvr>
+</p:notes>
+</file>
+
+<file path=ppt/notesSlides/notesSlide13.xml><?xml version="1.0" encoding="utf-8"?>
+<p:notes xmlns:a="http://schemas.openxmlformats.org/drawingml/2006/main" xmlns:r="http://schemas.openxmlformats.org/officeDocument/2006/relationships" xmlns:p="http://schemas.openxmlformats.org/presentationml/2006/main">
+  <p:cSld>
+    <p:spTree>
+      <p:nvGrpSpPr>
+        <p:cNvPr id="1" name=""/>
+        <p:cNvGrpSpPr/>
+        <p:nvPr/>
+      </p:nvGrpSpPr>
+      <p:grpSpPr>
+        <a:xfrm>
+          <a:off x="0" y="0"/>
+          <a:ext cx="0" cy="0"/>
+          <a:chOff x="0" y="0"/>
+          <a:chExt cx="0" cy="0"/>
+        </a:xfrm>
+      </p:grpSpPr>
+      <p:sp>
+        <p:nvSpPr>
+          <p:cNvPr id="2" name="Segnaposto immagine diapositiva 1"/>
+          <p:cNvSpPr>
+            <a:spLocks noGrp="1" noRot="1" noChangeAspect="1"/>
+          </p:cNvSpPr>
+          <p:nvPr>
+            <p:ph type="sldImg"/>
+          </p:nvPr>
+        </p:nvSpPr>
+        <p:spPr/>
+      </p:sp>
+      <p:sp>
+        <p:nvSpPr>
+          <p:cNvPr id="3" name="Segnaposto note 2"/>
+          <p:cNvSpPr>
+            <a:spLocks noGrp="1"/>
+          </p:cNvSpPr>
+          <p:nvPr>
+            <p:ph type="body" idx="1"/>
+          </p:nvPr>
+        </p:nvSpPr>
+        <p:spPr/>
+        <p:txBody>
+          <a:bodyPr/>
+          <a:lstStyle/>
+          <a:p>
+            <a:r>
+              <a:rPr lang="it-IT" dirty="0" smtClean="0"/>
+              <a:t>E implementano le funzioni semplicemente attraverso LINQ</a:t>
+            </a:r>
+            <a:endParaRPr lang="it-IT" dirty="0"/>
+          </a:p>
+        </p:txBody>
+      </p:sp>
+      <p:sp>
+        <p:nvSpPr>
+          <p:cNvPr id="4" name="Segnaposto numero diapositiva 3"/>
+          <p:cNvSpPr>
+            <a:spLocks noGrp="1"/>
+          </p:cNvSpPr>
+          <p:nvPr>
+            <p:ph type="sldNum" sz="quarter" idx="10"/>
+          </p:nvPr>
+        </p:nvSpPr>
+        <p:spPr/>
+        <p:txBody>
+          <a:bodyPr/>
+          <a:lstStyle/>
+          <a:p>
+            <a:fld id="{C9F759E3-7C15-48EC-99FB-12CADBBBCA5E}" type="slidenum">
+              <a:rPr lang="it-IT" smtClean="0"/>
+              <a:t>13</a:t>
+            </a:fld>
+            <a:endParaRPr lang="it-IT"/>
+          </a:p>
+        </p:txBody>
+      </p:sp>
+    </p:spTree>
+    <p:extLst>
+      <p:ext uri="{BB962C8B-B14F-4D97-AF65-F5344CB8AC3E}">
+        <p14:creationId xmlns:p14="http://schemas.microsoft.com/office/powerpoint/2010/main" val="1943627172"/>
+      </p:ext>
+    </p:extLst>
+  </p:cSld>
+  <p:clrMapOvr>
+    <a:masterClrMapping/>
+  </p:clrMapOvr>
+</p:notes>
+</file>
+
+<file path=ppt/notesSlides/notesSlide14.xml><?xml version="1.0" encoding="utf-8"?>
+<p:notes xmlns:a="http://schemas.openxmlformats.org/drawingml/2006/main" xmlns:r="http://schemas.openxmlformats.org/officeDocument/2006/relationships" xmlns:p="http://schemas.openxmlformats.org/presentationml/2006/main">
+  <p:cSld>
+    <p:spTree>
+      <p:nvGrpSpPr>
+        <p:cNvPr id="1" name=""/>
+        <p:cNvGrpSpPr/>
+        <p:nvPr/>
+      </p:nvGrpSpPr>
+      <p:grpSpPr>
+        <a:xfrm>
+          <a:off x="0" y="0"/>
+          <a:ext cx="0" cy="0"/>
+          <a:chOff x="0" y="0"/>
+          <a:chExt cx="0" cy="0"/>
+        </a:xfrm>
+      </p:grpSpPr>
+      <p:sp>
+        <p:nvSpPr>
+          <p:cNvPr id="2" name="Segnaposto immagine diapositiva 1"/>
+          <p:cNvSpPr>
+            <a:spLocks noGrp="1" noRot="1" noChangeAspect="1"/>
+          </p:cNvSpPr>
+          <p:nvPr>
+            <p:ph type="sldImg"/>
+          </p:nvPr>
+        </p:nvSpPr>
+        <p:spPr/>
+      </p:sp>
+      <p:sp>
+        <p:nvSpPr>
+          <p:cNvPr id="3" name="Segnaposto note 2"/>
+          <p:cNvSpPr>
+            <a:spLocks noGrp="1"/>
+          </p:cNvSpPr>
+          <p:nvPr>
+            <p:ph type="body" idx="1"/>
+          </p:nvPr>
+        </p:nvSpPr>
+        <p:spPr/>
+        <p:txBody>
+          <a:bodyPr/>
+          <a:lstStyle/>
+          <a:p>
+            <a:r>
+              <a:rPr lang="it-IT" dirty="0" smtClean="0"/>
+              <a:t>Esempio</a:t>
+            </a:r>
+            <a:r>
+              <a:rPr lang="it-IT" baseline="0" dirty="0" smtClean="0"/>
+              <a:t> di </a:t>
+            </a:r>
+            <a:r>
+              <a:rPr lang="it-IT" baseline="0" dirty="0" err="1" smtClean="0"/>
+              <a:t>DbRepository</a:t>
+            </a:r>
+            <a:r>
+              <a:rPr lang="it-IT" baseline="0" dirty="0" smtClean="0"/>
+              <a:t> (del modulo) dove implemento il metodo Get come preferisco</a:t>
+            </a:r>
+            <a:endParaRPr lang="it-IT" dirty="0"/>
+          </a:p>
+        </p:txBody>
+      </p:sp>
+      <p:sp>
+        <p:nvSpPr>
+          <p:cNvPr id="4" name="Segnaposto numero diapositiva 3"/>
+          <p:cNvSpPr>
+            <a:spLocks noGrp="1"/>
+          </p:cNvSpPr>
+          <p:nvPr>
+            <p:ph type="sldNum" sz="quarter" idx="10"/>
+          </p:nvPr>
+        </p:nvSpPr>
+        <p:spPr/>
+        <p:txBody>
+          <a:bodyPr/>
+          <a:lstStyle/>
+          <a:p>
+            <a:fld id="{C9F759E3-7C15-48EC-99FB-12CADBBBCA5E}" type="slidenum">
+              <a:rPr lang="it-IT" smtClean="0"/>
+              <a:t>14</a:t>
+            </a:fld>
+            <a:endParaRPr lang="it-IT"/>
+          </a:p>
+        </p:txBody>
+      </p:sp>
+    </p:spTree>
+    <p:extLst>
+      <p:ext uri="{BB962C8B-B14F-4D97-AF65-F5344CB8AC3E}">
+        <p14:creationId xmlns:p14="http://schemas.microsoft.com/office/powerpoint/2010/main" val="3689951457"/>
+      </p:ext>
+    </p:extLst>
+  </p:cSld>
+  <p:clrMapOvr>
+    <a:masterClrMapping/>
+  </p:clrMapOvr>
+</p:notes>
+</file>
+
+<file path=ppt/notesSlides/notesSlide15.xml><?xml version="1.0" encoding="utf-8"?>
+<p:notes xmlns:a="http://schemas.openxmlformats.org/drawingml/2006/main" xmlns:r="http://schemas.openxmlformats.org/officeDocument/2006/relationships" xmlns:p="http://schemas.openxmlformats.org/presentationml/2006/main">
+  <p:cSld>
+    <p:spTree>
+      <p:nvGrpSpPr>
+        <p:cNvPr id="1" name=""/>
+        <p:cNvGrpSpPr/>
+        <p:nvPr/>
+      </p:nvGrpSpPr>
+      <p:grpSpPr>
+        <a:xfrm>
+          <a:off x="0" y="0"/>
+          <a:ext cx="0" cy="0"/>
+          <a:chOff x="0" y="0"/>
+          <a:chExt cx="0" cy="0"/>
+        </a:xfrm>
+      </p:grpSpPr>
+      <p:sp>
+        <p:nvSpPr>
+          <p:cNvPr id="2" name="Segnaposto immagine diapositiva 1"/>
+          <p:cNvSpPr>
+            <a:spLocks noGrp="1" noRot="1" noChangeAspect="1"/>
+          </p:cNvSpPr>
+          <p:nvPr>
+            <p:ph type="sldImg"/>
+          </p:nvPr>
+        </p:nvSpPr>
+        <p:spPr/>
+      </p:sp>
+      <p:sp>
+        <p:nvSpPr>
+          <p:cNvPr id="3" name="Segnaposto note 2"/>
+          <p:cNvSpPr>
+            <a:spLocks noGrp="1"/>
+          </p:cNvSpPr>
+          <p:nvPr>
+            <p:ph type="body" idx="1"/>
+          </p:nvPr>
+        </p:nvSpPr>
+        <p:spPr/>
+        <p:txBody>
+          <a:bodyPr/>
+          <a:lstStyle/>
+          <a:p>
+            <a:r>
+              <a:rPr lang="it-IT" dirty="0" err="1" smtClean="0"/>
+              <a:t>DbContext</a:t>
+            </a:r>
+            <a:r>
+              <a:rPr lang="it-IT" baseline="0" dirty="0" smtClean="0"/>
+              <a:t> viene utilizzato appunto dai </a:t>
+            </a:r>
+            <a:r>
+              <a:rPr lang="it-IT" baseline="0" dirty="0" err="1" smtClean="0"/>
+              <a:t>repository</a:t>
+            </a:r>
+            <a:r>
+              <a:rPr lang="it-IT" baseline="0" dirty="0" smtClean="0"/>
+              <a:t> </a:t>
+            </a:r>
+          </a:p>
+          <a:p>
+            <a:r>
+              <a:rPr lang="it-IT" baseline="0" dirty="0" smtClean="0"/>
+              <a:t>e definisce fondamentalmente il vero e proprio database</a:t>
+            </a:r>
+          </a:p>
+          <a:p>
+            <a:r>
+              <a:rPr lang="it-IT" baseline="0" dirty="0" smtClean="0"/>
+              <a:t>I vari campi rappresentano le effettive tabelle</a:t>
+            </a:r>
+          </a:p>
+          <a:p>
+            <a:endParaRPr lang="it-IT" dirty="0"/>
+          </a:p>
+        </p:txBody>
+      </p:sp>
+      <p:sp>
+        <p:nvSpPr>
+          <p:cNvPr id="4" name="Segnaposto numero diapositiva 3"/>
+          <p:cNvSpPr>
+            <a:spLocks noGrp="1"/>
+          </p:cNvSpPr>
+          <p:nvPr>
+            <p:ph type="sldNum" sz="quarter" idx="10"/>
+          </p:nvPr>
+        </p:nvSpPr>
+        <p:spPr/>
+        <p:txBody>
+          <a:bodyPr/>
+          <a:lstStyle/>
+          <a:p>
+            <a:fld id="{C9F759E3-7C15-48EC-99FB-12CADBBBCA5E}" type="slidenum">
+              <a:rPr lang="it-IT" smtClean="0"/>
+              <a:t>15</a:t>
+            </a:fld>
+            <a:endParaRPr lang="it-IT"/>
+          </a:p>
+        </p:txBody>
+      </p:sp>
+    </p:spTree>
+    <p:extLst>
+      <p:ext uri="{BB962C8B-B14F-4D97-AF65-F5344CB8AC3E}">
+        <p14:creationId xmlns:p14="http://schemas.microsoft.com/office/powerpoint/2010/main" val="1615659365"/>
+      </p:ext>
+    </p:extLst>
+  </p:cSld>
+  <p:clrMapOvr>
+    <a:masterClrMapping/>
+  </p:clrMapOvr>
+</p:notes>
+</file>
+
+<file path=ppt/notesSlides/notesSlide16.xml><?xml version="1.0" encoding="utf-8"?>
+<p:notes xmlns:a="http://schemas.openxmlformats.org/drawingml/2006/main" xmlns:r="http://schemas.openxmlformats.org/officeDocument/2006/relationships" xmlns:p="http://schemas.openxmlformats.org/presentationml/2006/main">
+  <p:cSld>
+    <p:spTree>
+      <p:nvGrpSpPr>
+        <p:cNvPr id="1" name=""/>
+        <p:cNvGrpSpPr/>
+        <p:nvPr/>
+      </p:nvGrpSpPr>
+      <p:grpSpPr>
+        <a:xfrm>
+          <a:off x="0" y="0"/>
+          <a:ext cx="0" cy="0"/>
+          <a:chOff x="0" y="0"/>
+          <a:chExt cx="0" cy="0"/>
+        </a:xfrm>
+      </p:grpSpPr>
+      <p:sp>
+        <p:nvSpPr>
+          <p:cNvPr id="2" name="Segnaposto immagine diapositiva 1"/>
+          <p:cNvSpPr>
+            <a:spLocks noGrp="1" noRot="1" noChangeAspect="1"/>
+          </p:cNvSpPr>
+          <p:nvPr>
+            <p:ph type="sldImg"/>
+          </p:nvPr>
+        </p:nvSpPr>
+        <p:spPr/>
+      </p:sp>
+      <p:sp>
+        <p:nvSpPr>
+          <p:cNvPr id="3" name="Segnaposto note 2"/>
+          <p:cNvSpPr>
+            <a:spLocks noGrp="1"/>
+          </p:cNvSpPr>
+          <p:nvPr>
+            <p:ph type="body" idx="1"/>
+          </p:nvPr>
+        </p:nvSpPr>
+        <p:spPr/>
+        <p:txBody>
+          <a:bodyPr/>
+          <a:lstStyle/>
+          <a:p>
+            <a:r>
+              <a:rPr lang="it-IT" dirty="0" smtClean="0"/>
+              <a:t>In questo viene</a:t>
+            </a:r>
+            <a:r>
+              <a:rPr lang="it-IT" baseline="0" dirty="0" smtClean="0"/>
+              <a:t> usato </a:t>
+            </a:r>
+            <a:r>
+              <a:rPr lang="it-IT" baseline="0" dirty="0" err="1" smtClean="0"/>
+              <a:t>SQLite</a:t>
+            </a:r>
+            <a:r>
+              <a:rPr lang="it-IT" baseline="0" dirty="0" smtClean="0"/>
+              <a:t> per semplicità e praticità</a:t>
+            </a:r>
+            <a:endParaRPr lang="it-IT" dirty="0"/>
+          </a:p>
+        </p:txBody>
+      </p:sp>
+      <p:sp>
+        <p:nvSpPr>
+          <p:cNvPr id="4" name="Segnaposto numero diapositiva 3"/>
+          <p:cNvSpPr>
+            <a:spLocks noGrp="1"/>
+          </p:cNvSpPr>
+          <p:nvPr>
+            <p:ph type="sldNum" sz="quarter" idx="10"/>
+          </p:nvPr>
+        </p:nvSpPr>
+        <p:spPr/>
+        <p:txBody>
+          <a:bodyPr/>
+          <a:lstStyle/>
+          <a:p>
+            <a:fld id="{C9F759E3-7C15-48EC-99FB-12CADBBBCA5E}" type="slidenum">
+              <a:rPr lang="it-IT" smtClean="0"/>
+              <a:t>16</a:t>
+            </a:fld>
+            <a:endParaRPr lang="it-IT"/>
+          </a:p>
+        </p:txBody>
+      </p:sp>
+    </p:spTree>
+    <p:extLst>
+      <p:ext uri="{BB962C8B-B14F-4D97-AF65-F5344CB8AC3E}">
+        <p14:creationId xmlns:p14="http://schemas.microsoft.com/office/powerpoint/2010/main" val="1267615376"/>
+      </p:ext>
+    </p:extLst>
+  </p:cSld>
+  <p:clrMapOvr>
+    <a:masterClrMapping/>
+  </p:clrMapOvr>
+</p:notes>
+</file>
+
+<file path=ppt/notesSlides/notesSlide17.xml><?xml version="1.0" encoding="utf-8"?>
+<p:notes xmlns:a="http://schemas.openxmlformats.org/drawingml/2006/main" xmlns:r="http://schemas.openxmlformats.org/officeDocument/2006/relationships" xmlns:p="http://schemas.openxmlformats.org/presentationml/2006/main">
+  <p:cSld>
+    <p:spTree>
+      <p:nvGrpSpPr>
+        <p:cNvPr id="1" name=""/>
+        <p:cNvGrpSpPr/>
+        <p:nvPr/>
+      </p:nvGrpSpPr>
+      <p:grpSpPr>
+        <a:xfrm>
+          <a:off x="0" y="0"/>
+          <a:ext cx="0" cy="0"/>
+          <a:chOff x="0" y="0"/>
+          <a:chExt cx="0" cy="0"/>
+        </a:xfrm>
+      </p:grpSpPr>
+      <p:sp>
+        <p:nvSpPr>
+          <p:cNvPr id="2" name="Segnaposto immagine diapositiva 1"/>
+          <p:cNvSpPr>
+            <a:spLocks noGrp="1" noRot="1" noChangeAspect="1"/>
+          </p:cNvSpPr>
+          <p:nvPr>
+            <p:ph type="sldImg"/>
+          </p:nvPr>
+        </p:nvSpPr>
+        <p:spPr/>
+      </p:sp>
+      <p:sp>
+        <p:nvSpPr>
+          <p:cNvPr id="3" name="Segnaposto note 2"/>
+          <p:cNvSpPr>
+            <a:spLocks noGrp="1"/>
+          </p:cNvSpPr>
+          <p:nvPr>
+            <p:ph type="body" idx="1"/>
+          </p:nvPr>
+        </p:nvSpPr>
+        <p:spPr/>
+        <p:txBody>
+          <a:bodyPr/>
+          <a:lstStyle/>
+          <a:p>
+            <a:r>
+              <a:rPr lang="it-IT" dirty="0" err="1" smtClean="0"/>
+              <a:t>ViewModels</a:t>
+            </a:r>
+            <a:r>
+              <a:rPr lang="it-IT" baseline="0" dirty="0" smtClean="0"/>
+              <a:t> si interfacciano con i </a:t>
+            </a:r>
+            <a:r>
+              <a:rPr lang="it-IT" baseline="0" dirty="0" err="1" smtClean="0"/>
+              <a:t>Models</a:t>
+            </a:r>
+            <a:r>
+              <a:rPr lang="it-IT" baseline="0" dirty="0" smtClean="0"/>
+              <a:t> per interagire coi dati nella parte pratica</a:t>
+            </a:r>
+          </a:p>
+          <a:p>
+            <a:r>
+              <a:rPr lang="it-IT" baseline="0" dirty="0" smtClean="0"/>
+              <a:t>Questa è la base del funzionamento di un </a:t>
+            </a:r>
+            <a:r>
+              <a:rPr lang="it-IT" baseline="0" dirty="0" err="1" smtClean="0"/>
+              <a:t>ViewModel</a:t>
+            </a:r>
+            <a:r>
+              <a:rPr lang="it-IT" baseline="0" dirty="0" smtClean="0"/>
+              <a:t> il quale è praticamente uno standard</a:t>
+            </a:r>
+            <a:endParaRPr lang="it-IT" dirty="0"/>
+          </a:p>
+        </p:txBody>
+      </p:sp>
+      <p:sp>
+        <p:nvSpPr>
+          <p:cNvPr id="4" name="Segnaposto numero diapositiva 3"/>
+          <p:cNvSpPr>
+            <a:spLocks noGrp="1"/>
+          </p:cNvSpPr>
+          <p:nvPr>
+            <p:ph type="sldNum" sz="quarter" idx="10"/>
+          </p:nvPr>
+        </p:nvSpPr>
+        <p:spPr/>
+        <p:txBody>
+          <a:bodyPr/>
+          <a:lstStyle/>
+          <a:p>
+            <a:fld id="{C9F759E3-7C15-48EC-99FB-12CADBBBCA5E}" type="slidenum">
+              <a:rPr lang="it-IT" smtClean="0"/>
+              <a:t>17</a:t>
+            </a:fld>
+            <a:endParaRPr lang="it-IT"/>
+          </a:p>
+        </p:txBody>
+      </p:sp>
+    </p:spTree>
+    <p:extLst>
+      <p:ext uri="{BB962C8B-B14F-4D97-AF65-F5344CB8AC3E}">
+        <p14:creationId xmlns:p14="http://schemas.microsoft.com/office/powerpoint/2010/main" val="373653541"/>
+      </p:ext>
+    </p:extLst>
+  </p:cSld>
+  <p:clrMapOvr>
+    <a:masterClrMapping/>
+  </p:clrMapOvr>
+</p:notes>
+</file>
+
+<file path=ppt/notesSlides/notesSlide18.xml><?xml version="1.0" encoding="utf-8"?>
+<p:notes xmlns:a="http://schemas.openxmlformats.org/drawingml/2006/main" xmlns:r="http://schemas.openxmlformats.org/officeDocument/2006/relationships" xmlns:p="http://schemas.openxmlformats.org/presentationml/2006/main">
+  <p:cSld>
+    <p:spTree>
+      <p:nvGrpSpPr>
+        <p:cNvPr id="1" name=""/>
+        <p:cNvGrpSpPr/>
+        <p:nvPr/>
+      </p:nvGrpSpPr>
+      <p:grpSpPr>
+        <a:xfrm>
+          <a:off x="0" y="0"/>
+          <a:ext cx="0" cy="0"/>
+          <a:chOff x="0" y="0"/>
+          <a:chExt cx="0" cy="0"/>
+        </a:xfrm>
+      </p:grpSpPr>
+      <p:sp>
+        <p:nvSpPr>
+          <p:cNvPr id="2" name="Segnaposto immagine diapositiva 1"/>
+          <p:cNvSpPr>
+            <a:spLocks noGrp="1" noRot="1" noChangeAspect="1"/>
+          </p:cNvSpPr>
+          <p:nvPr>
+            <p:ph type="sldImg"/>
+          </p:nvPr>
+        </p:nvSpPr>
+        <p:spPr/>
+      </p:sp>
+      <p:sp>
+        <p:nvSpPr>
+          <p:cNvPr id="3" name="Segnaposto note 2"/>
+          <p:cNvSpPr>
+            <a:spLocks noGrp="1"/>
+          </p:cNvSpPr>
+          <p:nvPr>
+            <p:ph type="body" idx="1"/>
+          </p:nvPr>
+        </p:nvSpPr>
+        <p:spPr/>
+        <p:txBody>
+          <a:bodyPr/>
+          <a:lstStyle/>
+          <a:p>
+            <a:r>
+              <a:rPr lang="it-IT" dirty="0" smtClean="0"/>
+              <a:t>Viene</a:t>
+            </a:r>
+            <a:r>
+              <a:rPr lang="it-IT" baseline="0" dirty="0" smtClean="0"/>
+              <a:t> implementato dalla </a:t>
+            </a:r>
+            <a:r>
+              <a:rPr lang="it-IT" baseline="0" dirty="0" err="1" smtClean="0"/>
+              <a:t>MainView</a:t>
+            </a:r>
+            <a:r>
+              <a:rPr lang="it-IT" baseline="0" dirty="0" smtClean="0"/>
+              <a:t> quindi è il riferimento principale di tutti i </a:t>
+            </a:r>
+            <a:r>
+              <a:rPr lang="it-IT" baseline="0" dirty="0" err="1" smtClean="0"/>
+              <a:t>ViewModels</a:t>
+            </a:r>
+            <a:endParaRPr lang="it-IT" baseline="0" dirty="0" smtClean="0"/>
+          </a:p>
+          <a:p>
+            <a:r>
+              <a:rPr lang="it-IT" baseline="0" dirty="0" smtClean="0"/>
+              <a:t>Prima si definiscono tutti i relativi </a:t>
+            </a:r>
+            <a:r>
+              <a:rPr lang="it-IT" baseline="0" dirty="0" err="1" smtClean="0"/>
+              <a:t>ViewModels</a:t>
+            </a:r>
+            <a:r>
+              <a:rPr lang="it-IT" baseline="0" dirty="0" smtClean="0"/>
+              <a:t> che si possono utilizzare</a:t>
+            </a:r>
+          </a:p>
+          <a:p>
+            <a:r>
+              <a:rPr lang="it-IT" baseline="0" dirty="0" smtClean="0"/>
+              <a:t>I relativi </a:t>
+            </a:r>
+            <a:r>
+              <a:rPr lang="it-IT" baseline="0" dirty="0" err="1" smtClean="0"/>
+              <a:t>commands</a:t>
+            </a:r>
+            <a:r>
+              <a:rPr lang="it-IT" baseline="0" dirty="0" smtClean="0"/>
+              <a:t> per passare da un </a:t>
+            </a:r>
+            <a:r>
+              <a:rPr lang="it-IT" baseline="0" dirty="0" err="1" smtClean="0"/>
+              <a:t>ViewModel</a:t>
+            </a:r>
+            <a:r>
+              <a:rPr lang="it-IT" baseline="0" dirty="0" smtClean="0"/>
+              <a:t> all’altro</a:t>
+            </a:r>
+          </a:p>
+          <a:p>
+            <a:r>
+              <a:rPr lang="it-IT" baseline="0" dirty="0" smtClean="0"/>
+              <a:t>Il </a:t>
+            </a:r>
+            <a:r>
+              <a:rPr lang="it-IT" baseline="0" dirty="0" err="1" smtClean="0"/>
+              <a:t>CurrentViewModel</a:t>
+            </a:r>
+            <a:r>
+              <a:rPr lang="it-IT" baseline="0" dirty="0" smtClean="0"/>
+              <a:t> definisce quello che viene mostrato</a:t>
+            </a:r>
+          </a:p>
+          <a:p>
+            <a:r>
+              <a:rPr lang="it-IT" baseline="0" dirty="0" smtClean="0"/>
+              <a:t>Si utilizzano i Messenger per impostare il </a:t>
+            </a:r>
+            <a:r>
+              <a:rPr lang="it-IT" baseline="0" dirty="0" err="1" smtClean="0"/>
+              <a:t>CurrentViewModel</a:t>
+            </a:r>
+            <a:r>
+              <a:rPr lang="it-IT" baseline="0" dirty="0" smtClean="0"/>
+              <a:t> dalle altre </a:t>
+            </a:r>
+            <a:r>
+              <a:rPr lang="it-IT" baseline="0" dirty="0" err="1" smtClean="0"/>
+              <a:t>Views</a:t>
+            </a:r>
+            <a:endParaRPr lang="it-IT" dirty="0"/>
+          </a:p>
+        </p:txBody>
+      </p:sp>
+      <p:sp>
+        <p:nvSpPr>
+          <p:cNvPr id="4" name="Segnaposto numero diapositiva 3"/>
+          <p:cNvSpPr>
+            <a:spLocks noGrp="1"/>
+          </p:cNvSpPr>
+          <p:nvPr>
+            <p:ph type="sldNum" sz="quarter" idx="10"/>
+          </p:nvPr>
+        </p:nvSpPr>
+        <p:spPr/>
+        <p:txBody>
+          <a:bodyPr/>
+          <a:lstStyle/>
+          <a:p>
+            <a:fld id="{C9F759E3-7C15-48EC-99FB-12CADBBBCA5E}" type="slidenum">
+              <a:rPr lang="it-IT" smtClean="0"/>
+              <a:t>18</a:t>
+            </a:fld>
+            <a:endParaRPr lang="it-IT"/>
+          </a:p>
+        </p:txBody>
+      </p:sp>
+    </p:spTree>
+    <p:extLst>
+      <p:ext uri="{BB962C8B-B14F-4D97-AF65-F5344CB8AC3E}">
+        <p14:creationId xmlns:p14="http://schemas.microsoft.com/office/powerpoint/2010/main" val="1234075067"/>
+      </p:ext>
+    </p:extLst>
+  </p:cSld>
+  <p:clrMapOvr>
+    <a:masterClrMapping/>
+  </p:clrMapOvr>
+</p:notes>
+</file>
+
+<file path=ppt/notesSlides/notesSlide19.xml><?xml version="1.0" encoding="utf-8"?>
+<p:notes xmlns:a="http://schemas.openxmlformats.org/drawingml/2006/main" xmlns:r="http://schemas.openxmlformats.org/officeDocument/2006/relationships" xmlns:p="http://schemas.openxmlformats.org/presentationml/2006/main">
+  <p:cSld>
+    <p:spTree>
+      <p:nvGrpSpPr>
+        <p:cNvPr id="1" name=""/>
+        <p:cNvGrpSpPr/>
+        <p:nvPr/>
+      </p:nvGrpSpPr>
+      <p:grpSpPr>
+        <a:xfrm>
+          <a:off x="0" y="0"/>
+          <a:ext cx="0" cy="0"/>
+          <a:chOff x="0" y="0"/>
+          <a:chExt cx="0" cy="0"/>
+        </a:xfrm>
+      </p:grpSpPr>
+      <p:sp>
+        <p:nvSpPr>
+          <p:cNvPr id="2" name="Segnaposto immagine diapositiva 1"/>
+          <p:cNvSpPr>
+            <a:spLocks noGrp="1" noRot="1" noChangeAspect="1"/>
+          </p:cNvSpPr>
+          <p:nvPr>
+            <p:ph type="sldImg"/>
+          </p:nvPr>
+        </p:nvSpPr>
+        <p:spPr/>
+      </p:sp>
+      <p:sp>
+        <p:nvSpPr>
+          <p:cNvPr id="3" name="Segnaposto note 2"/>
+          <p:cNvSpPr>
+            <a:spLocks noGrp="1"/>
+          </p:cNvSpPr>
+          <p:nvPr>
+            <p:ph type="body" idx="1"/>
+          </p:nvPr>
+        </p:nvSpPr>
+        <p:spPr/>
+        <p:txBody>
+          <a:bodyPr/>
+          <a:lstStyle/>
+          <a:p>
+            <a:r>
+              <a:rPr lang="it-IT" dirty="0" smtClean="0"/>
+              <a:t>I campi per definire</a:t>
+            </a:r>
+            <a:r>
+              <a:rPr lang="it-IT" baseline="0" dirty="0" smtClean="0"/>
+              <a:t> un esercizio</a:t>
+            </a:r>
+          </a:p>
+          <a:p>
+            <a:r>
+              <a:rPr lang="it-IT" baseline="0" dirty="0" smtClean="0"/>
+              <a:t>I comandi per tornare indietro o salvare</a:t>
+            </a:r>
+          </a:p>
+          <a:p>
+            <a:r>
+              <a:rPr lang="it-IT" baseline="0" dirty="0" err="1" smtClean="0"/>
+              <a:t>ModuloRepository</a:t>
+            </a:r>
+            <a:r>
+              <a:rPr lang="it-IT" baseline="0" dirty="0" smtClean="0"/>
+              <a:t> per mostrare i modulo presenti e selezionarne uno per avere un sistema coerente</a:t>
+            </a:r>
+          </a:p>
+          <a:p>
+            <a:r>
+              <a:rPr lang="it-IT" baseline="0" dirty="0" smtClean="0"/>
+              <a:t>Messaggio mandato al </a:t>
+            </a:r>
+            <a:r>
+              <a:rPr lang="it-IT" baseline="0" dirty="0" err="1" smtClean="0"/>
+              <a:t>MainViewModel</a:t>
+            </a:r>
+            <a:endParaRPr lang="it-IT" dirty="0"/>
+          </a:p>
+        </p:txBody>
+      </p:sp>
+      <p:sp>
+        <p:nvSpPr>
+          <p:cNvPr id="4" name="Segnaposto numero diapositiva 3"/>
+          <p:cNvSpPr>
+            <a:spLocks noGrp="1"/>
+          </p:cNvSpPr>
+          <p:nvPr>
+            <p:ph type="sldNum" sz="quarter" idx="10"/>
+          </p:nvPr>
+        </p:nvSpPr>
+        <p:spPr/>
+        <p:txBody>
+          <a:bodyPr/>
+          <a:lstStyle/>
+          <a:p>
+            <a:fld id="{C9F759E3-7C15-48EC-99FB-12CADBBBCA5E}" type="slidenum">
+              <a:rPr lang="it-IT" smtClean="0"/>
+              <a:t>19</a:t>
+            </a:fld>
+            <a:endParaRPr lang="it-IT"/>
+          </a:p>
+        </p:txBody>
+      </p:sp>
+    </p:spTree>
+    <p:extLst>
+      <p:ext uri="{BB962C8B-B14F-4D97-AF65-F5344CB8AC3E}">
+        <p14:creationId xmlns:p14="http://schemas.microsoft.com/office/powerpoint/2010/main" val="3283071668"/>
+      </p:ext>
+    </p:extLst>
+  </p:cSld>
+  <p:clrMapOvr>
+    <a:masterClrMapping/>
+  </p:clrMapOvr>
+</p:notes>
+</file>
+
+<file path=ppt/notesSlides/notesSlide2.xml><?xml version="1.0" encoding="utf-8"?>
+<p:notes xmlns:a="http://schemas.openxmlformats.org/drawingml/2006/main" xmlns:r="http://schemas.openxmlformats.org/officeDocument/2006/relationships" xmlns:p="http://schemas.openxmlformats.org/presentationml/2006/main">
+  <p:cSld>
+    <p:spTree>
+      <p:nvGrpSpPr>
+        <p:cNvPr id="1" name=""/>
+        <p:cNvGrpSpPr/>
+        <p:nvPr/>
+      </p:nvGrpSpPr>
+      <p:grpSpPr>
+        <a:xfrm>
+          <a:off x="0" y="0"/>
+          <a:ext cx="0" cy="0"/>
+          <a:chOff x="0" y="0"/>
+          <a:chExt cx="0" cy="0"/>
+        </a:xfrm>
+      </p:grpSpPr>
+      <p:sp>
+        <p:nvSpPr>
+          <p:cNvPr id="2" name="Segnaposto immagine diapositiva 1"/>
+          <p:cNvSpPr>
+            <a:spLocks noGrp="1" noRot="1" noChangeAspect="1"/>
+          </p:cNvSpPr>
+          <p:nvPr>
+            <p:ph type="sldImg"/>
+          </p:nvPr>
+        </p:nvSpPr>
+        <p:spPr/>
+      </p:sp>
+      <p:sp>
+        <p:nvSpPr>
+          <p:cNvPr id="3" name="Segnaposto note 2"/>
+          <p:cNvSpPr>
+            <a:spLocks noGrp="1"/>
+          </p:cNvSpPr>
+          <p:nvPr>
+            <p:ph type="body" idx="1"/>
+          </p:nvPr>
+        </p:nvSpPr>
+        <p:spPr/>
+        <p:txBody>
+          <a:bodyPr/>
+          <a:lstStyle/>
+          <a:p>
+            <a:r>
+              <a:rPr lang="it-IT" dirty="0" smtClean="0"/>
+              <a:t>Per introdurre in</a:t>
+            </a:r>
+            <a:r>
+              <a:rPr lang="it-IT" baseline="0" dirty="0" smtClean="0"/>
+              <a:t> generale si può dire che è un eserciziario </a:t>
+            </a:r>
+          </a:p>
+          <a:p>
+            <a:r>
+              <a:rPr lang="it-IT" baseline="0" dirty="0" smtClean="0"/>
+              <a:t>dove i docenti possono inserire le proprie informazioni relative agli esercizi</a:t>
+            </a:r>
+          </a:p>
+          <a:p>
+            <a:r>
+              <a:rPr lang="it-IT" baseline="0" dirty="0" smtClean="0"/>
+              <a:t>Per poi creare gli esercizi e generare infine delle prove</a:t>
+            </a:r>
+          </a:p>
+          <a:p>
+            <a:r>
+              <a:rPr lang="it-IT" baseline="0" dirty="0" smtClean="0"/>
+              <a:t>Quindi gli attori principali sono appunto i docenti</a:t>
+            </a:r>
+            <a:endParaRPr lang="it-IT" dirty="0"/>
+          </a:p>
+        </p:txBody>
+      </p:sp>
+      <p:sp>
+        <p:nvSpPr>
+          <p:cNvPr id="4" name="Segnaposto numero diapositiva 3"/>
+          <p:cNvSpPr>
+            <a:spLocks noGrp="1"/>
+          </p:cNvSpPr>
+          <p:nvPr>
+            <p:ph type="sldNum" sz="quarter" idx="10"/>
+          </p:nvPr>
+        </p:nvSpPr>
+        <p:spPr/>
+        <p:txBody>
+          <a:bodyPr/>
+          <a:lstStyle/>
+          <a:p>
+            <a:fld id="{C9F759E3-7C15-48EC-99FB-12CADBBBCA5E}" type="slidenum">
+              <a:rPr lang="it-IT" smtClean="0"/>
+              <a:t>2</a:t>
+            </a:fld>
+            <a:endParaRPr lang="it-IT"/>
+          </a:p>
+        </p:txBody>
+      </p:sp>
+    </p:spTree>
+    <p:extLst>
+      <p:ext uri="{BB962C8B-B14F-4D97-AF65-F5344CB8AC3E}">
+        <p14:creationId xmlns:p14="http://schemas.microsoft.com/office/powerpoint/2010/main" val="437562383"/>
+      </p:ext>
+    </p:extLst>
+  </p:cSld>
+  <p:clrMapOvr>
+    <a:masterClrMapping/>
+  </p:clrMapOvr>
+</p:notes>
+</file>
+
+<file path=ppt/notesSlides/notesSlide20.xml><?xml version="1.0" encoding="utf-8"?>
+<p:notes xmlns:a="http://schemas.openxmlformats.org/drawingml/2006/main" xmlns:r="http://schemas.openxmlformats.org/officeDocument/2006/relationships" xmlns:p="http://schemas.openxmlformats.org/presentationml/2006/main">
+  <p:cSld>
+    <p:spTree>
+      <p:nvGrpSpPr>
+        <p:cNvPr id="1" name=""/>
+        <p:cNvGrpSpPr/>
+        <p:nvPr/>
+      </p:nvGrpSpPr>
+      <p:grpSpPr>
+        <a:xfrm>
+          <a:off x="0" y="0"/>
+          <a:ext cx="0" cy="0"/>
+          <a:chOff x="0" y="0"/>
+          <a:chExt cx="0" cy="0"/>
+        </a:xfrm>
+      </p:grpSpPr>
+      <p:sp>
+        <p:nvSpPr>
+          <p:cNvPr id="2" name="Segnaposto immagine diapositiva 1"/>
+          <p:cNvSpPr>
+            <a:spLocks noGrp="1" noRot="1" noChangeAspect="1"/>
+          </p:cNvSpPr>
+          <p:nvPr>
+            <p:ph type="sldImg"/>
+          </p:nvPr>
+        </p:nvSpPr>
+        <p:spPr/>
+      </p:sp>
+      <p:sp>
+        <p:nvSpPr>
+          <p:cNvPr id="3" name="Segnaposto note 2"/>
+          <p:cNvSpPr>
+            <a:spLocks noGrp="1"/>
+          </p:cNvSpPr>
+          <p:nvPr>
+            <p:ph type="body" idx="1"/>
+          </p:nvPr>
+        </p:nvSpPr>
+        <p:spPr/>
+        <p:txBody>
+          <a:bodyPr/>
+          <a:lstStyle/>
+          <a:p>
+            <a:r>
+              <a:rPr lang="it-IT" dirty="0" smtClean="0"/>
+              <a:t>Controllo dei campi</a:t>
+            </a:r>
+          </a:p>
+          <a:p>
+            <a:r>
+              <a:rPr lang="it-IT" dirty="0" smtClean="0"/>
+              <a:t>Inserimento</a:t>
+            </a:r>
+            <a:r>
+              <a:rPr lang="it-IT" baseline="0" dirty="0" smtClean="0"/>
+              <a:t> dell’entità attraverso il </a:t>
+            </a:r>
+            <a:r>
+              <a:rPr lang="it-IT" baseline="0" dirty="0" err="1" smtClean="0"/>
+              <a:t>repository</a:t>
+            </a:r>
+            <a:endParaRPr lang="it-IT" dirty="0"/>
+          </a:p>
+        </p:txBody>
+      </p:sp>
+      <p:sp>
+        <p:nvSpPr>
+          <p:cNvPr id="4" name="Segnaposto numero diapositiva 3"/>
+          <p:cNvSpPr>
+            <a:spLocks noGrp="1"/>
+          </p:cNvSpPr>
+          <p:nvPr>
+            <p:ph type="sldNum" sz="quarter" idx="10"/>
+          </p:nvPr>
+        </p:nvSpPr>
+        <p:spPr/>
+        <p:txBody>
+          <a:bodyPr/>
+          <a:lstStyle/>
+          <a:p>
+            <a:fld id="{C9F759E3-7C15-48EC-99FB-12CADBBBCA5E}" type="slidenum">
+              <a:rPr lang="it-IT" smtClean="0"/>
+              <a:t>20</a:t>
+            </a:fld>
+            <a:endParaRPr lang="it-IT"/>
+          </a:p>
+        </p:txBody>
+      </p:sp>
+    </p:spTree>
+    <p:extLst>
+      <p:ext uri="{BB962C8B-B14F-4D97-AF65-F5344CB8AC3E}">
+        <p14:creationId xmlns:p14="http://schemas.microsoft.com/office/powerpoint/2010/main" val="1176721635"/>
+      </p:ext>
+    </p:extLst>
+  </p:cSld>
+  <p:clrMapOvr>
+    <a:masterClrMapping/>
+  </p:clrMapOvr>
+</p:notes>
+</file>
+
+<file path=ppt/notesSlides/notesSlide21.xml><?xml version="1.0" encoding="utf-8"?>
+<p:notes xmlns:a="http://schemas.openxmlformats.org/drawingml/2006/main" xmlns:r="http://schemas.openxmlformats.org/officeDocument/2006/relationships" xmlns:p="http://schemas.openxmlformats.org/presentationml/2006/main">
+  <p:cSld>
+    <p:spTree>
+      <p:nvGrpSpPr>
+        <p:cNvPr id="1" name=""/>
+        <p:cNvGrpSpPr/>
+        <p:nvPr/>
+      </p:nvGrpSpPr>
+      <p:grpSpPr>
+        <a:xfrm>
+          <a:off x="0" y="0"/>
+          <a:ext cx="0" cy="0"/>
+          <a:chOff x="0" y="0"/>
+          <a:chExt cx="0" cy="0"/>
+        </a:xfrm>
+      </p:grpSpPr>
+      <p:sp>
+        <p:nvSpPr>
+          <p:cNvPr id="2" name="Segnaposto immagine diapositiva 1"/>
+          <p:cNvSpPr>
+            <a:spLocks noGrp="1" noRot="1" noChangeAspect="1"/>
+          </p:cNvSpPr>
+          <p:nvPr>
+            <p:ph type="sldImg"/>
+          </p:nvPr>
+        </p:nvSpPr>
+        <p:spPr/>
+      </p:sp>
+      <p:sp>
+        <p:nvSpPr>
+          <p:cNvPr id="3" name="Segnaposto note 2"/>
+          <p:cNvSpPr>
+            <a:spLocks noGrp="1"/>
+          </p:cNvSpPr>
+          <p:nvPr>
+            <p:ph type="body" idx="1"/>
+          </p:nvPr>
+        </p:nvSpPr>
+        <p:spPr/>
+        <p:txBody>
+          <a:bodyPr/>
+          <a:lstStyle/>
+          <a:p>
+            <a:r>
+              <a:rPr lang="it-IT" dirty="0" smtClean="0"/>
+              <a:t>Interfacce dell’applicazione</a:t>
+            </a:r>
+          </a:p>
+          <a:p>
+            <a:r>
+              <a:rPr lang="it-IT" dirty="0" smtClean="0"/>
+              <a:t>La</a:t>
+            </a:r>
+            <a:r>
+              <a:rPr lang="it-IT" baseline="0" dirty="0" smtClean="0"/>
+              <a:t> </a:t>
+            </a:r>
+            <a:r>
+              <a:rPr lang="it-IT" baseline="0" dirty="0" err="1" smtClean="0"/>
+              <a:t>MainView</a:t>
+            </a:r>
+            <a:r>
+              <a:rPr lang="it-IT" baseline="0" dirty="0" smtClean="0"/>
+              <a:t> presenta il menu e mostra il </a:t>
+            </a:r>
+            <a:r>
+              <a:rPr lang="it-IT" baseline="0" dirty="0" err="1" smtClean="0"/>
+              <a:t>CurrentViewModel</a:t>
+            </a:r>
+            <a:endParaRPr lang="it-IT" dirty="0"/>
+          </a:p>
+        </p:txBody>
+      </p:sp>
+      <p:sp>
+        <p:nvSpPr>
+          <p:cNvPr id="4" name="Segnaposto numero diapositiva 3"/>
+          <p:cNvSpPr>
+            <a:spLocks noGrp="1"/>
+          </p:cNvSpPr>
+          <p:nvPr>
+            <p:ph type="sldNum" sz="quarter" idx="10"/>
+          </p:nvPr>
+        </p:nvSpPr>
+        <p:spPr/>
+        <p:txBody>
+          <a:bodyPr/>
+          <a:lstStyle/>
+          <a:p>
+            <a:fld id="{C9F759E3-7C15-48EC-99FB-12CADBBBCA5E}" type="slidenum">
+              <a:rPr lang="it-IT" smtClean="0"/>
+              <a:t>21</a:t>
+            </a:fld>
+            <a:endParaRPr lang="it-IT"/>
+          </a:p>
+        </p:txBody>
+      </p:sp>
+    </p:spTree>
+    <p:extLst>
+      <p:ext uri="{BB962C8B-B14F-4D97-AF65-F5344CB8AC3E}">
+        <p14:creationId xmlns:p14="http://schemas.microsoft.com/office/powerpoint/2010/main" val="4238273499"/>
+      </p:ext>
+    </p:extLst>
+  </p:cSld>
+  <p:clrMapOvr>
+    <a:masterClrMapping/>
+  </p:clrMapOvr>
+</p:notes>
+</file>
+
+<file path=ppt/notesSlides/notesSlide22.xml><?xml version="1.0" encoding="utf-8"?>
+<p:notes xmlns:a="http://schemas.openxmlformats.org/drawingml/2006/main" xmlns:r="http://schemas.openxmlformats.org/officeDocument/2006/relationships" xmlns:p="http://schemas.openxmlformats.org/presentationml/2006/main">
+  <p:cSld>
+    <p:spTree>
+      <p:nvGrpSpPr>
+        <p:cNvPr id="1" name=""/>
+        <p:cNvGrpSpPr/>
+        <p:nvPr/>
+      </p:nvGrpSpPr>
+      <p:grpSpPr>
+        <a:xfrm>
+          <a:off x="0" y="0"/>
+          <a:ext cx="0" cy="0"/>
+          <a:chOff x="0" y="0"/>
+          <a:chExt cx="0" cy="0"/>
+        </a:xfrm>
+      </p:grpSpPr>
+      <p:sp>
+        <p:nvSpPr>
+          <p:cNvPr id="2" name="Segnaposto immagine diapositiva 1"/>
+          <p:cNvSpPr>
+            <a:spLocks noGrp="1" noRot="1" noChangeAspect="1"/>
+          </p:cNvSpPr>
+          <p:nvPr>
+            <p:ph type="sldImg"/>
+          </p:nvPr>
+        </p:nvSpPr>
+        <p:spPr/>
+      </p:sp>
+      <p:sp>
+        <p:nvSpPr>
+          <p:cNvPr id="3" name="Segnaposto note 2"/>
+          <p:cNvSpPr>
+            <a:spLocks noGrp="1"/>
+          </p:cNvSpPr>
+          <p:nvPr>
+            <p:ph type="body" idx="1"/>
+          </p:nvPr>
+        </p:nvSpPr>
+        <p:spPr/>
+        <p:txBody>
+          <a:bodyPr/>
+          <a:lstStyle/>
+          <a:p>
+            <a:r>
+              <a:rPr lang="it-IT" dirty="0" err="1" smtClean="0"/>
+              <a:t>BenvenutoView</a:t>
+            </a:r>
+            <a:r>
+              <a:rPr lang="it-IT" baseline="0" dirty="0" smtClean="0"/>
+              <a:t> (schermata principale)</a:t>
+            </a:r>
+          </a:p>
+          <a:p>
+            <a:r>
+              <a:rPr lang="it-IT" baseline="0" dirty="0" smtClean="0"/>
+              <a:t>Tre pulsanti per le operazioni principali</a:t>
+            </a:r>
+            <a:endParaRPr lang="it-IT" dirty="0"/>
+          </a:p>
+        </p:txBody>
+      </p:sp>
+      <p:sp>
+        <p:nvSpPr>
+          <p:cNvPr id="4" name="Segnaposto numero diapositiva 3"/>
+          <p:cNvSpPr>
+            <a:spLocks noGrp="1"/>
+          </p:cNvSpPr>
+          <p:nvPr>
+            <p:ph type="sldNum" sz="quarter" idx="10"/>
+          </p:nvPr>
+        </p:nvSpPr>
+        <p:spPr/>
+        <p:txBody>
+          <a:bodyPr/>
+          <a:lstStyle/>
+          <a:p>
+            <a:fld id="{C9F759E3-7C15-48EC-99FB-12CADBBBCA5E}" type="slidenum">
+              <a:rPr lang="it-IT" smtClean="0"/>
+              <a:t>22</a:t>
+            </a:fld>
+            <a:endParaRPr lang="it-IT"/>
+          </a:p>
+        </p:txBody>
+      </p:sp>
+    </p:spTree>
+    <p:extLst>
+      <p:ext uri="{BB962C8B-B14F-4D97-AF65-F5344CB8AC3E}">
+        <p14:creationId xmlns:p14="http://schemas.microsoft.com/office/powerpoint/2010/main" val="1034257834"/>
+      </p:ext>
+    </p:extLst>
+  </p:cSld>
+  <p:clrMapOvr>
+    <a:masterClrMapping/>
+  </p:clrMapOvr>
+</p:notes>
+</file>
+
+<file path=ppt/notesSlides/notesSlide23.xml><?xml version="1.0" encoding="utf-8"?>
+<p:notes xmlns:a="http://schemas.openxmlformats.org/drawingml/2006/main" xmlns:r="http://schemas.openxmlformats.org/officeDocument/2006/relationships" xmlns:p="http://schemas.openxmlformats.org/presentationml/2006/main">
+  <p:cSld>
+    <p:spTree>
+      <p:nvGrpSpPr>
+        <p:cNvPr id="1" name=""/>
+        <p:cNvGrpSpPr/>
+        <p:nvPr/>
+      </p:nvGrpSpPr>
+      <p:grpSpPr>
+        <a:xfrm>
+          <a:off x="0" y="0"/>
+          <a:ext cx="0" cy="0"/>
+          <a:chOff x="0" y="0"/>
+          <a:chExt cx="0" cy="0"/>
+        </a:xfrm>
+      </p:grpSpPr>
+      <p:sp>
+        <p:nvSpPr>
+          <p:cNvPr id="2" name="Segnaposto immagine diapositiva 1"/>
+          <p:cNvSpPr>
+            <a:spLocks noGrp="1" noRot="1" noChangeAspect="1"/>
+          </p:cNvSpPr>
+          <p:nvPr>
+            <p:ph type="sldImg"/>
+          </p:nvPr>
+        </p:nvSpPr>
+        <p:spPr/>
+      </p:sp>
+      <p:sp>
+        <p:nvSpPr>
+          <p:cNvPr id="3" name="Segnaposto note 2"/>
+          <p:cNvSpPr>
+            <a:spLocks noGrp="1"/>
+          </p:cNvSpPr>
+          <p:nvPr>
+            <p:ph type="body" idx="1"/>
+          </p:nvPr>
+        </p:nvSpPr>
+        <p:spPr/>
+        <p:txBody>
+          <a:bodyPr/>
+          <a:lstStyle/>
+          <a:p>
+            <a:r>
+              <a:rPr lang="it-IT" dirty="0" err="1" smtClean="0"/>
+              <a:t>ImpostazioniBaseView</a:t>
+            </a:r>
+            <a:r>
+              <a:rPr lang="it-IT" dirty="0" smtClean="0"/>
+              <a:t> mostra le informazioni di base e permette</a:t>
+            </a:r>
+            <a:r>
+              <a:rPr lang="it-IT" baseline="0" dirty="0" smtClean="0"/>
+              <a:t> di inserirle</a:t>
+            </a:r>
+            <a:endParaRPr lang="it-IT" dirty="0"/>
+          </a:p>
+        </p:txBody>
+      </p:sp>
+      <p:sp>
+        <p:nvSpPr>
+          <p:cNvPr id="4" name="Segnaposto numero diapositiva 3"/>
+          <p:cNvSpPr>
+            <a:spLocks noGrp="1"/>
+          </p:cNvSpPr>
+          <p:nvPr>
+            <p:ph type="sldNum" sz="quarter" idx="10"/>
+          </p:nvPr>
+        </p:nvSpPr>
+        <p:spPr/>
+        <p:txBody>
+          <a:bodyPr/>
+          <a:lstStyle/>
+          <a:p>
+            <a:fld id="{C9F759E3-7C15-48EC-99FB-12CADBBBCA5E}" type="slidenum">
+              <a:rPr lang="it-IT" smtClean="0"/>
+              <a:t>23</a:t>
+            </a:fld>
+            <a:endParaRPr lang="it-IT"/>
+          </a:p>
+        </p:txBody>
+      </p:sp>
+    </p:spTree>
+    <p:extLst>
+      <p:ext uri="{BB962C8B-B14F-4D97-AF65-F5344CB8AC3E}">
+        <p14:creationId xmlns:p14="http://schemas.microsoft.com/office/powerpoint/2010/main" val="673061887"/>
+      </p:ext>
+    </p:extLst>
+  </p:cSld>
+  <p:clrMapOvr>
+    <a:masterClrMapping/>
+  </p:clrMapOvr>
+</p:notes>
+</file>
+
+<file path=ppt/notesSlides/notesSlide24.xml><?xml version="1.0" encoding="utf-8"?>
+<p:notes xmlns:a="http://schemas.openxmlformats.org/drawingml/2006/main" xmlns:r="http://schemas.openxmlformats.org/officeDocument/2006/relationships" xmlns:p="http://schemas.openxmlformats.org/presentationml/2006/main">
+  <p:cSld>
+    <p:spTree>
+      <p:nvGrpSpPr>
+        <p:cNvPr id="1" name=""/>
+        <p:cNvGrpSpPr/>
+        <p:nvPr/>
+      </p:nvGrpSpPr>
+      <p:grpSpPr>
+        <a:xfrm>
+          <a:off x="0" y="0"/>
+          <a:ext cx="0" cy="0"/>
+          <a:chOff x="0" y="0"/>
+          <a:chExt cx="0" cy="0"/>
+        </a:xfrm>
+      </p:grpSpPr>
+      <p:sp>
+        <p:nvSpPr>
+          <p:cNvPr id="2" name="Segnaposto immagine diapositiva 1"/>
+          <p:cNvSpPr>
+            <a:spLocks noGrp="1" noRot="1" noChangeAspect="1"/>
+          </p:cNvSpPr>
+          <p:nvPr>
+            <p:ph type="sldImg"/>
+          </p:nvPr>
+        </p:nvSpPr>
+        <p:spPr/>
+      </p:sp>
+      <p:sp>
+        <p:nvSpPr>
+          <p:cNvPr id="3" name="Segnaposto note 2"/>
+          <p:cNvSpPr>
+            <a:spLocks noGrp="1"/>
+          </p:cNvSpPr>
+          <p:nvPr>
+            <p:ph type="body" idx="1"/>
+          </p:nvPr>
+        </p:nvSpPr>
+        <p:spPr/>
+        <p:txBody>
+          <a:bodyPr/>
+          <a:lstStyle/>
+          <a:p>
+            <a:endParaRPr lang="it-IT" dirty="0"/>
+          </a:p>
+        </p:txBody>
+      </p:sp>
+      <p:sp>
+        <p:nvSpPr>
+          <p:cNvPr id="4" name="Segnaposto numero diapositiva 3"/>
+          <p:cNvSpPr>
+            <a:spLocks noGrp="1"/>
+          </p:cNvSpPr>
+          <p:nvPr>
+            <p:ph type="sldNum" sz="quarter" idx="10"/>
+          </p:nvPr>
+        </p:nvSpPr>
+        <p:spPr/>
+        <p:txBody>
+          <a:bodyPr/>
+          <a:lstStyle/>
+          <a:p>
+            <a:fld id="{C9F759E3-7C15-48EC-99FB-12CADBBBCA5E}" type="slidenum">
+              <a:rPr lang="it-IT" smtClean="0"/>
+              <a:t>24</a:t>
+            </a:fld>
+            <a:endParaRPr lang="it-IT"/>
+          </a:p>
+        </p:txBody>
+      </p:sp>
+    </p:spTree>
+    <p:extLst>
+      <p:ext uri="{BB962C8B-B14F-4D97-AF65-F5344CB8AC3E}">
+        <p14:creationId xmlns:p14="http://schemas.microsoft.com/office/powerpoint/2010/main" val="568414618"/>
+      </p:ext>
+    </p:extLst>
+  </p:cSld>
+  <p:clrMapOvr>
+    <a:masterClrMapping/>
+  </p:clrMapOvr>
+</p:notes>
+</file>
+
+<file path=ppt/notesSlides/notesSlide25.xml><?xml version="1.0" encoding="utf-8"?>
+<p:notes xmlns:a="http://schemas.openxmlformats.org/drawingml/2006/main" xmlns:r="http://schemas.openxmlformats.org/officeDocument/2006/relationships" xmlns:p="http://schemas.openxmlformats.org/presentationml/2006/main">
+  <p:cSld>
+    <p:spTree>
+      <p:nvGrpSpPr>
+        <p:cNvPr id="1" name=""/>
+        <p:cNvGrpSpPr/>
+        <p:nvPr/>
+      </p:nvGrpSpPr>
+      <p:grpSpPr>
+        <a:xfrm>
+          <a:off x="0" y="0"/>
+          <a:ext cx="0" cy="0"/>
+          <a:chOff x="0" y="0"/>
+          <a:chExt cx="0" cy="0"/>
+        </a:xfrm>
+      </p:grpSpPr>
+      <p:sp>
+        <p:nvSpPr>
+          <p:cNvPr id="2" name="Segnaposto immagine diapositiva 1"/>
+          <p:cNvSpPr>
+            <a:spLocks noGrp="1" noRot="1" noChangeAspect="1"/>
+          </p:cNvSpPr>
+          <p:nvPr>
+            <p:ph type="sldImg"/>
+          </p:nvPr>
+        </p:nvSpPr>
+        <p:spPr/>
+      </p:sp>
+      <p:sp>
+        <p:nvSpPr>
+          <p:cNvPr id="3" name="Segnaposto note 2"/>
+          <p:cNvSpPr>
+            <a:spLocks noGrp="1"/>
+          </p:cNvSpPr>
+          <p:nvPr>
+            <p:ph type="body" idx="1"/>
+          </p:nvPr>
+        </p:nvSpPr>
+        <p:spPr/>
+        <p:txBody>
+          <a:bodyPr/>
+          <a:lstStyle/>
+          <a:p>
+            <a:endParaRPr lang="it-IT" dirty="0"/>
+          </a:p>
+        </p:txBody>
+      </p:sp>
+      <p:sp>
+        <p:nvSpPr>
+          <p:cNvPr id="4" name="Segnaposto numero diapositiva 3"/>
+          <p:cNvSpPr>
+            <a:spLocks noGrp="1"/>
+          </p:cNvSpPr>
+          <p:nvPr>
+            <p:ph type="sldNum" sz="quarter" idx="10"/>
+          </p:nvPr>
+        </p:nvSpPr>
+        <p:spPr/>
+        <p:txBody>
+          <a:bodyPr/>
+          <a:lstStyle/>
+          <a:p>
+            <a:fld id="{C9F759E3-7C15-48EC-99FB-12CADBBBCA5E}" type="slidenum">
+              <a:rPr lang="it-IT" smtClean="0"/>
+              <a:t>25</a:t>
+            </a:fld>
+            <a:endParaRPr lang="it-IT"/>
+          </a:p>
+        </p:txBody>
+      </p:sp>
+    </p:spTree>
+    <p:extLst>
+      <p:ext uri="{BB962C8B-B14F-4D97-AF65-F5344CB8AC3E}">
+        <p14:creationId xmlns:p14="http://schemas.microsoft.com/office/powerpoint/2010/main" val="598824142"/>
+      </p:ext>
+    </p:extLst>
+  </p:cSld>
+  <p:clrMapOvr>
+    <a:masterClrMapping/>
+  </p:clrMapOvr>
+</p:notes>
+</file>
+
+<file path=ppt/notesSlides/notesSlide26.xml><?xml version="1.0" encoding="utf-8"?>
+<p:notes xmlns:a="http://schemas.openxmlformats.org/drawingml/2006/main" xmlns:r="http://schemas.openxmlformats.org/officeDocument/2006/relationships" xmlns:p="http://schemas.openxmlformats.org/presentationml/2006/main">
+  <p:cSld>
+    <p:spTree>
+      <p:nvGrpSpPr>
+        <p:cNvPr id="1" name=""/>
+        <p:cNvGrpSpPr/>
+        <p:nvPr/>
+      </p:nvGrpSpPr>
+      <p:grpSpPr>
+        <a:xfrm>
+          <a:off x="0" y="0"/>
+          <a:ext cx="0" cy="0"/>
+          <a:chOff x="0" y="0"/>
+          <a:chExt cx="0" cy="0"/>
+        </a:xfrm>
+      </p:grpSpPr>
+      <p:sp>
+        <p:nvSpPr>
+          <p:cNvPr id="2" name="Segnaposto immagine diapositiva 1"/>
+          <p:cNvSpPr>
+            <a:spLocks noGrp="1" noRot="1" noChangeAspect="1"/>
+          </p:cNvSpPr>
+          <p:nvPr>
+            <p:ph type="sldImg"/>
+          </p:nvPr>
+        </p:nvSpPr>
+        <p:spPr/>
+      </p:sp>
+      <p:sp>
+        <p:nvSpPr>
+          <p:cNvPr id="3" name="Segnaposto note 2"/>
+          <p:cNvSpPr>
+            <a:spLocks noGrp="1"/>
+          </p:cNvSpPr>
+          <p:nvPr>
+            <p:ph type="body" idx="1"/>
+          </p:nvPr>
+        </p:nvSpPr>
+        <p:spPr/>
+        <p:txBody>
+          <a:bodyPr/>
+          <a:lstStyle/>
+          <a:p>
+            <a:r>
+              <a:rPr lang="it-IT" dirty="0" smtClean="0"/>
+              <a:t>Durante la creazione</a:t>
+            </a:r>
+            <a:r>
+              <a:rPr lang="it-IT" baseline="0" dirty="0" smtClean="0"/>
+              <a:t> dell’esercizio l’immagine viene caricata correttamente ma non viene salvata nel DB</a:t>
+            </a:r>
+          </a:p>
+          <a:p>
+            <a:r>
+              <a:rPr lang="it-IT" dirty="0" smtClean="0"/>
+              <a:t>Per la prova non sono riuscito a trovare un metodo per</a:t>
+            </a:r>
+            <a:r>
+              <a:rPr lang="it-IT" baseline="0" dirty="0" smtClean="0"/>
+              <a:t> inserire gli esercizi</a:t>
+            </a:r>
+          </a:p>
+          <a:p>
+            <a:r>
+              <a:rPr lang="it-IT" baseline="0" dirty="0" smtClean="0"/>
+              <a:t>E non è possibile generare un documento</a:t>
+            </a:r>
+            <a:endParaRPr lang="it-IT" dirty="0"/>
+          </a:p>
+        </p:txBody>
+      </p:sp>
+      <p:sp>
+        <p:nvSpPr>
+          <p:cNvPr id="4" name="Segnaposto numero diapositiva 3"/>
+          <p:cNvSpPr>
+            <a:spLocks noGrp="1"/>
+          </p:cNvSpPr>
+          <p:nvPr>
+            <p:ph type="sldNum" sz="quarter" idx="10"/>
+          </p:nvPr>
+        </p:nvSpPr>
+        <p:spPr/>
+        <p:txBody>
+          <a:bodyPr/>
+          <a:lstStyle/>
+          <a:p>
+            <a:fld id="{C9F759E3-7C15-48EC-99FB-12CADBBBCA5E}" type="slidenum">
+              <a:rPr lang="it-IT" smtClean="0"/>
+              <a:t>26</a:t>
+            </a:fld>
+            <a:endParaRPr lang="it-IT"/>
+          </a:p>
+        </p:txBody>
+      </p:sp>
+    </p:spTree>
+    <p:extLst>
+      <p:ext uri="{BB962C8B-B14F-4D97-AF65-F5344CB8AC3E}">
+        <p14:creationId xmlns:p14="http://schemas.microsoft.com/office/powerpoint/2010/main" val="1695849171"/>
+      </p:ext>
+    </p:extLst>
+  </p:cSld>
+  <p:clrMapOvr>
+    <a:masterClrMapping/>
+  </p:clrMapOvr>
+</p:notes>
+</file>
+
+<file path=ppt/notesSlides/notesSlide3.xml><?xml version="1.0" encoding="utf-8"?>
+<p:notes xmlns:a="http://schemas.openxmlformats.org/drawingml/2006/main" xmlns:r="http://schemas.openxmlformats.org/officeDocument/2006/relationships" xmlns:p="http://schemas.openxmlformats.org/presentationml/2006/main">
+  <p:cSld>
+    <p:spTree>
+      <p:nvGrpSpPr>
+        <p:cNvPr id="1" name=""/>
+        <p:cNvGrpSpPr/>
+        <p:nvPr/>
+      </p:nvGrpSpPr>
+      <p:grpSpPr>
+        <a:xfrm>
+          <a:off x="0" y="0"/>
+          <a:ext cx="0" cy="0"/>
+          <a:chOff x="0" y="0"/>
+          <a:chExt cx="0" cy="0"/>
+        </a:xfrm>
+      </p:grpSpPr>
+      <p:sp>
+        <p:nvSpPr>
+          <p:cNvPr id="2" name="Segnaposto immagine diapositiva 1"/>
+          <p:cNvSpPr>
+            <a:spLocks noGrp="1" noRot="1" noChangeAspect="1"/>
+          </p:cNvSpPr>
+          <p:nvPr>
+            <p:ph type="sldImg"/>
+          </p:nvPr>
+        </p:nvSpPr>
+        <p:spPr/>
+      </p:sp>
+      <p:sp>
+        <p:nvSpPr>
+          <p:cNvPr id="3" name="Segnaposto note 2"/>
+          <p:cNvSpPr>
+            <a:spLocks noGrp="1"/>
+          </p:cNvSpPr>
+          <p:nvPr>
+            <p:ph type="body" idx="1"/>
+          </p:nvPr>
+        </p:nvSpPr>
+        <p:spPr/>
+        <p:txBody>
+          <a:bodyPr/>
+          <a:lstStyle/>
+          <a:p>
+            <a:pPr marL="171450" indent="-171450">
+              <a:buFontTx/>
+              <a:buChar char="-"/>
+            </a:pPr>
+            <a:r>
+              <a:rPr lang="it-IT" dirty="0" smtClean="0"/>
+              <a:t>Applicativo desktop veloce da installare e semplice da usare</a:t>
+            </a:r>
+          </a:p>
+          <a:p>
+            <a:pPr marL="171450" indent="-171450">
+              <a:buFontTx/>
+              <a:buChar char="-"/>
+            </a:pPr>
+            <a:r>
+              <a:rPr lang="it-IT" dirty="0" smtClean="0"/>
+              <a:t>Definizione</a:t>
+            </a:r>
+            <a:r>
+              <a:rPr lang="it-IT" baseline="0" dirty="0" smtClean="0"/>
+              <a:t> delle informazioni di base (classi, moduli, tematiche).</a:t>
+            </a:r>
+          </a:p>
+          <a:p>
+            <a:pPr marL="171450" indent="-171450">
+              <a:buFontTx/>
+              <a:buChar char="-"/>
+            </a:pPr>
+            <a:r>
+              <a:rPr lang="it-IT" baseline="0" dirty="0" smtClean="0"/>
+              <a:t>Creazione degli esercizi</a:t>
+            </a:r>
+          </a:p>
+          <a:p>
+            <a:pPr marL="171450" indent="-171450">
+              <a:buFontTx/>
+              <a:buChar char="-"/>
+            </a:pPr>
+            <a:r>
+              <a:rPr lang="it-IT" baseline="0" dirty="0" smtClean="0"/>
+              <a:t>Creazione e generazione delle prove</a:t>
+            </a:r>
+            <a:endParaRPr lang="it-IT" dirty="0"/>
+          </a:p>
+        </p:txBody>
+      </p:sp>
+      <p:sp>
+        <p:nvSpPr>
+          <p:cNvPr id="4" name="Segnaposto numero diapositiva 3"/>
+          <p:cNvSpPr>
+            <a:spLocks noGrp="1"/>
+          </p:cNvSpPr>
+          <p:nvPr>
+            <p:ph type="sldNum" sz="quarter" idx="10"/>
+          </p:nvPr>
+        </p:nvSpPr>
+        <p:spPr/>
+        <p:txBody>
+          <a:bodyPr/>
+          <a:lstStyle/>
+          <a:p>
+            <a:fld id="{C9F759E3-7C15-48EC-99FB-12CADBBBCA5E}" type="slidenum">
+              <a:rPr lang="it-IT" smtClean="0"/>
+              <a:t>3</a:t>
+            </a:fld>
+            <a:endParaRPr lang="it-IT"/>
+          </a:p>
+        </p:txBody>
+      </p:sp>
+    </p:spTree>
+    <p:extLst>
+      <p:ext uri="{BB962C8B-B14F-4D97-AF65-F5344CB8AC3E}">
+        <p14:creationId xmlns:p14="http://schemas.microsoft.com/office/powerpoint/2010/main" val="4235648734"/>
+      </p:ext>
+    </p:extLst>
+  </p:cSld>
+  <p:clrMapOvr>
+    <a:masterClrMapping/>
+  </p:clrMapOvr>
+</p:notes>
+</file>
+
+<file path=ppt/notesSlides/notesSlide4.xml><?xml version="1.0" encoding="utf-8"?>
+<p:notes xmlns:a="http://schemas.openxmlformats.org/drawingml/2006/main" xmlns:r="http://schemas.openxmlformats.org/officeDocument/2006/relationships" xmlns:p="http://schemas.openxmlformats.org/presentationml/2006/main">
+  <p:cSld>
+    <p:spTree>
+      <p:nvGrpSpPr>
+        <p:cNvPr id="1" name=""/>
+        <p:cNvGrpSpPr/>
+        <p:nvPr/>
+      </p:nvGrpSpPr>
+      <p:grpSpPr>
+        <a:xfrm>
+          <a:off x="0" y="0"/>
+          <a:ext cx="0" cy="0"/>
+          <a:chOff x="0" y="0"/>
+          <a:chExt cx="0" cy="0"/>
+        </a:xfrm>
+      </p:grpSpPr>
+      <p:sp>
+        <p:nvSpPr>
+          <p:cNvPr id="2" name="Segnaposto immagine diapositiva 1"/>
+          <p:cNvSpPr>
+            <a:spLocks noGrp="1" noRot="1" noChangeAspect="1"/>
+          </p:cNvSpPr>
+          <p:nvPr>
+            <p:ph type="sldImg"/>
+          </p:nvPr>
+        </p:nvSpPr>
+        <p:spPr/>
+      </p:sp>
+      <p:sp>
+        <p:nvSpPr>
+          <p:cNvPr id="3" name="Segnaposto note 2"/>
+          <p:cNvSpPr>
+            <a:spLocks noGrp="1"/>
+          </p:cNvSpPr>
+          <p:nvPr>
+            <p:ph type="body" idx="1"/>
+          </p:nvPr>
+        </p:nvSpPr>
+        <p:spPr/>
+        <p:txBody>
+          <a:bodyPr/>
+          <a:lstStyle/>
+          <a:p>
+            <a:pPr marL="171450" marR="0" lvl="0" indent="-171450" algn="l" defTabSz="914400" rtl="0" eaLnBrk="1" fontAlgn="auto" latinLnBrk="0" hangingPunct="1">
+              <a:lnSpc>
+                <a:spcPct val="100000"/>
+              </a:lnSpc>
+              <a:spcBef>
+                <a:spcPts val="0"/>
+              </a:spcBef>
+              <a:spcAft>
+                <a:spcPts val="0"/>
+              </a:spcAft>
+              <a:buClrTx/>
+              <a:buSzTx/>
+              <a:buFontTx/>
+              <a:buChar char="-"/>
+              <a:tabLst/>
+              <a:defRPr/>
+            </a:pPr>
+            <a:r>
+              <a:rPr lang="it-IT" dirty="0" smtClean="0"/>
+              <a:t>Documentazione</a:t>
+            </a:r>
+            <a:r>
+              <a:rPr lang="it-IT" baseline="0" dirty="0" smtClean="0"/>
+              <a:t> fatta durante lo sviluppo del progetto per non rimanere indietro</a:t>
+            </a:r>
+          </a:p>
+          <a:p>
+            <a:pPr marL="171450" indent="-171450">
+              <a:buFontTx/>
+              <a:buChar char="-"/>
+            </a:pPr>
+            <a:r>
+              <a:rPr lang="it-IT" baseline="0" dirty="0" smtClean="0"/>
+              <a:t>Analisi nella prima settimana</a:t>
+            </a:r>
+          </a:p>
+          <a:p>
+            <a:pPr marL="171450" indent="-171450">
+              <a:buFontTx/>
+              <a:buChar char="-"/>
+            </a:pPr>
+            <a:r>
+              <a:rPr lang="it-IT" dirty="0" smtClean="0"/>
+              <a:t>Un</a:t>
+            </a:r>
+            <a:r>
+              <a:rPr lang="it-IT" baseline="0" dirty="0" smtClean="0"/>
+              <a:t> mesetto di progettazione</a:t>
+            </a:r>
+          </a:p>
+          <a:p>
+            <a:pPr marL="171450" indent="-171450">
+              <a:buFontTx/>
+              <a:buChar char="-"/>
+            </a:pPr>
+            <a:r>
+              <a:rPr lang="it-IT" baseline="0" dirty="0" smtClean="0"/>
+              <a:t>Circa 2/3 del tempo per lo sviluppo del prodotto</a:t>
+            </a:r>
+          </a:p>
+          <a:p>
+            <a:pPr marL="171450" indent="-171450">
+              <a:buFontTx/>
+              <a:buChar char="-"/>
+            </a:pPr>
+            <a:r>
+              <a:rPr lang="it-IT" baseline="0" dirty="0" smtClean="0"/>
+              <a:t>Infine i test del sistema e la conclusione</a:t>
+            </a:r>
+            <a:endParaRPr lang="it-IT" dirty="0" smtClean="0"/>
+          </a:p>
+        </p:txBody>
+      </p:sp>
+      <p:sp>
+        <p:nvSpPr>
+          <p:cNvPr id="4" name="Segnaposto numero diapositiva 3"/>
+          <p:cNvSpPr>
+            <a:spLocks noGrp="1"/>
+          </p:cNvSpPr>
+          <p:nvPr>
+            <p:ph type="sldNum" sz="quarter" idx="10"/>
+          </p:nvPr>
+        </p:nvSpPr>
+        <p:spPr/>
+        <p:txBody>
+          <a:bodyPr/>
+          <a:lstStyle/>
+          <a:p>
+            <a:fld id="{C9F759E3-7C15-48EC-99FB-12CADBBBCA5E}" type="slidenum">
+              <a:rPr lang="it-IT" smtClean="0"/>
+              <a:t>4</a:t>
+            </a:fld>
+            <a:endParaRPr lang="it-IT"/>
+          </a:p>
+        </p:txBody>
+      </p:sp>
+    </p:spTree>
+    <p:extLst>
+      <p:ext uri="{BB962C8B-B14F-4D97-AF65-F5344CB8AC3E}">
+        <p14:creationId xmlns:p14="http://schemas.microsoft.com/office/powerpoint/2010/main" val="632953257"/>
+      </p:ext>
+    </p:extLst>
+  </p:cSld>
+  <p:clrMapOvr>
+    <a:masterClrMapping/>
+  </p:clrMapOvr>
+</p:notes>
+</file>
+
+<file path=ppt/notesSlides/notesSlide5.xml><?xml version="1.0" encoding="utf-8"?>
+<p:notes xmlns:a="http://schemas.openxmlformats.org/drawingml/2006/main" xmlns:r="http://schemas.openxmlformats.org/officeDocument/2006/relationships" xmlns:p="http://schemas.openxmlformats.org/presentationml/2006/main">
+  <p:cSld>
+    <p:spTree>
+      <p:nvGrpSpPr>
+        <p:cNvPr id="1" name=""/>
+        <p:cNvGrpSpPr/>
+        <p:nvPr/>
+      </p:nvGrpSpPr>
+      <p:grpSpPr>
+        <a:xfrm>
+          <a:off x="0" y="0"/>
+          <a:ext cx="0" cy="0"/>
+          <a:chOff x="0" y="0"/>
+          <a:chExt cx="0" cy="0"/>
+        </a:xfrm>
+      </p:grpSpPr>
+      <p:sp>
+        <p:nvSpPr>
+          <p:cNvPr id="2" name="Segnaposto immagine diapositiva 1"/>
+          <p:cNvSpPr>
+            <a:spLocks noGrp="1" noRot="1" noChangeAspect="1"/>
+          </p:cNvSpPr>
+          <p:nvPr>
+            <p:ph type="sldImg"/>
+          </p:nvPr>
+        </p:nvSpPr>
+        <p:spPr/>
+      </p:sp>
+      <p:sp>
+        <p:nvSpPr>
+          <p:cNvPr id="3" name="Segnaposto note 2"/>
+          <p:cNvSpPr>
+            <a:spLocks noGrp="1"/>
+          </p:cNvSpPr>
+          <p:nvPr>
+            <p:ph type="body" idx="1"/>
+          </p:nvPr>
+        </p:nvSpPr>
+        <p:spPr/>
+        <p:txBody>
+          <a:bodyPr/>
+          <a:lstStyle/>
+          <a:p>
+            <a:r>
+              <a:rPr lang="it-IT" dirty="0" smtClean="0"/>
+              <a:t>Progettazione più breve</a:t>
+            </a:r>
+            <a:r>
+              <a:rPr lang="it-IT" baseline="0" dirty="0" smtClean="0"/>
+              <a:t> e implementazione più lunga</a:t>
+            </a:r>
+            <a:endParaRPr lang="it-IT" dirty="0"/>
+          </a:p>
+        </p:txBody>
+      </p:sp>
+      <p:sp>
+        <p:nvSpPr>
+          <p:cNvPr id="4" name="Segnaposto numero diapositiva 3"/>
+          <p:cNvSpPr>
+            <a:spLocks noGrp="1"/>
+          </p:cNvSpPr>
+          <p:nvPr>
+            <p:ph type="sldNum" sz="quarter" idx="10"/>
+          </p:nvPr>
+        </p:nvSpPr>
+        <p:spPr/>
+        <p:txBody>
+          <a:bodyPr/>
+          <a:lstStyle/>
+          <a:p>
+            <a:fld id="{C9F759E3-7C15-48EC-99FB-12CADBBBCA5E}" type="slidenum">
+              <a:rPr lang="it-IT" smtClean="0"/>
+              <a:t>5</a:t>
+            </a:fld>
+            <a:endParaRPr lang="it-IT"/>
+          </a:p>
+        </p:txBody>
+      </p:sp>
+    </p:spTree>
+    <p:extLst>
+      <p:ext uri="{BB962C8B-B14F-4D97-AF65-F5344CB8AC3E}">
+        <p14:creationId xmlns:p14="http://schemas.microsoft.com/office/powerpoint/2010/main" val="3197185734"/>
+      </p:ext>
+    </p:extLst>
+  </p:cSld>
+  <p:clrMapOvr>
+    <a:masterClrMapping/>
+  </p:clrMapOvr>
+</p:notes>
+</file>
+
+<file path=ppt/notesSlides/notesSlide6.xml><?xml version="1.0" encoding="utf-8"?>
+<p:notes xmlns:a="http://schemas.openxmlformats.org/drawingml/2006/main" xmlns:r="http://schemas.openxmlformats.org/officeDocument/2006/relationships" xmlns:p="http://schemas.openxmlformats.org/presentationml/2006/main">
+  <p:cSld>
+    <p:spTree>
+      <p:nvGrpSpPr>
+        <p:cNvPr id="1" name=""/>
+        <p:cNvGrpSpPr/>
+        <p:nvPr/>
+      </p:nvGrpSpPr>
+      <p:grpSpPr>
+        <a:xfrm>
+          <a:off x="0" y="0"/>
+          <a:ext cx="0" cy="0"/>
+          <a:chOff x="0" y="0"/>
+          <a:chExt cx="0" cy="0"/>
+        </a:xfrm>
+      </p:grpSpPr>
+      <p:sp>
+        <p:nvSpPr>
+          <p:cNvPr id="2" name="Segnaposto immagine diapositiva 1"/>
+          <p:cNvSpPr>
+            <a:spLocks noGrp="1" noRot="1" noChangeAspect="1"/>
+          </p:cNvSpPr>
+          <p:nvPr>
+            <p:ph type="sldImg"/>
+          </p:nvPr>
+        </p:nvSpPr>
+        <p:spPr/>
+      </p:sp>
+      <p:sp>
+        <p:nvSpPr>
+          <p:cNvPr id="3" name="Segnaposto note 2"/>
+          <p:cNvSpPr>
+            <a:spLocks noGrp="1"/>
+          </p:cNvSpPr>
+          <p:nvPr>
+            <p:ph type="body" idx="1"/>
+          </p:nvPr>
+        </p:nvSpPr>
+        <p:spPr/>
+        <p:txBody>
+          <a:bodyPr/>
+          <a:lstStyle/>
+          <a:p>
+            <a:pPr marL="171450" indent="-171450">
+              <a:buFontTx/>
+              <a:buChar char="-"/>
+            </a:pPr>
+            <a:r>
+              <a:rPr lang="it-IT" dirty="0" smtClean="0"/>
+              <a:t>Elemento</a:t>
+            </a:r>
+            <a:r>
+              <a:rPr lang="it-IT" baseline="0" dirty="0" smtClean="0"/>
+              <a:t> principale il docente che può eseguire le tre operazioni principali</a:t>
+            </a:r>
+          </a:p>
+          <a:p>
+            <a:pPr marL="171450" indent="-171450">
+              <a:buFontTx/>
+              <a:buChar char="-"/>
+            </a:pPr>
+            <a:r>
+              <a:rPr lang="it-IT" baseline="0" dirty="0" smtClean="0"/>
+              <a:t>A patto che le altre cose siano definite</a:t>
+            </a:r>
+            <a:endParaRPr lang="it-IT" dirty="0"/>
+          </a:p>
+        </p:txBody>
+      </p:sp>
+      <p:sp>
+        <p:nvSpPr>
+          <p:cNvPr id="4" name="Segnaposto numero diapositiva 3"/>
+          <p:cNvSpPr>
+            <a:spLocks noGrp="1"/>
+          </p:cNvSpPr>
+          <p:nvPr>
+            <p:ph type="sldNum" sz="quarter" idx="10"/>
+          </p:nvPr>
+        </p:nvSpPr>
+        <p:spPr/>
+        <p:txBody>
+          <a:bodyPr/>
+          <a:lstStyle/>
+          <a:p>
+            <a:fld id="{C9F759E3-7C15-48EC-99FB-12CADBBBCA5E}" type="slidenum">
+              <a:rPr lang="it-IT" smtClean="0"/>
+              <a:t>6</a:t>
+            </a:fld>
+            <a:endParaRPr lang="it-IT"/>
+          </a:p>
+        </p:txBody>
+      </p:sp>
+    </p:spTree>
+    <p:extLst>
+      <p:ext uri="{BB962C8B-B14F-4D97-AF65-F5344CB8AC3E}">
+        <p14:creationId xmlns:p14="http://schemas.microsoft.com/office/powerpoint/2010/main" val="4228506735"/>
+      </p:ext>
+    </p:extLst>
+  </p:cSld>
+  <p:clrMapOvr>
+    <a:masterClrMapping/>
+  </p:clrMapOvr>
+</p:notes>
+</file>
+
+<file path=ppt/notesSlides/notesSlide7.xml><?xml version="1.0" encoding="utf-8"?>
+<p:notes xmlns:a="http://schemas.openxmlformats.org/drawingml/2006/main" xmlns:r="http://schemas.openxmlformats.org/officeDocument/2006/relationships" xmlns:p="http://schemas.openxmlformats.org/presentationml/2006/main">
+  <p:cSld>
+    <p:spTree>
+      <p:nvGrpSpPr>
+        <p:cNvPr id="1" name=""/>
+        <p:cNvGrpSpPr/>
+        <p:nvPr/>
+      </p:nvGrpSpPr>
+      <p:grpSpPr>
+        <a:xfrm>
+          <a:off x="0" y="0"/>
+          <a:ext cx="0" cy="0"/>
+          <a:chOff x="0" y="0"/>
+          <a:chExt cx="0" cy="0"/>
+        </a:xfrm>
+      </p:grpSpPr>
+      <p:sp>
+        <p:nvSpPr>
+          <p:cNvPr id="2" name="Segnaposto immagine diapositiva 1"/>
+          <p:cNvSpPr>
+            <a:spLocks noGrp="1" noRot="1" noChangeAspect="1"/>
+          </p:cNvSpPr>
+          <p:nvPr>
+            <p:ph type="sldImg"/>
+          </p:nvPr>
+        </p:nvSpPr>
+        <p:spPr/>
+      </p:sp>
+      <p:sp>
+        <p:nvSpPr>
+          <p:cNvPr id="3" name="Segnaposto note 2"/>
+          <p:cNvSpPr>
+            <a:spLocks noGrp="1"/>
+          </p:cNvSpPr>
+          <p:nvPr>
+            <p:ph type="body" idx="1"/>
+          </p:nvPr>
+        </p:nvSpPr>
+        <p:spPr/>
+        <p:txBody>
+          <a:bodyPr/>
+          <a:lstStyle/>
+          <a:p>
+            <a:r>
+              <a:rPr lang="it-IT" dirty="0" smtClean="0"/>
+              <a:t>Anno è la prima entità,</a:t>
+            </a:r>
+            <a:r>
+              <a:rPr lang="it-IT" baseline="0" dirty="0" smtClean="0"/>
+              <a:t> infatti viene aggiunta automaticamente dal sistema</a:t>
+            </a:r>
+          </a:p>
+          <a:p>
+            <a:r>
+              <a:rPr lang="it-IT" dirty="0" smtClean="0"/>
+              <a:t>Classe svolge dei moduli</a:t>
+            </a:r>
+          </a:p>
+          <a:p>
+            <a:r>
+              <a:rPr lang="it-IT" dirty="0" smtClean="0"/>
+              <a:t>Modulo presenta delle tematiche </a:t>
+            </a:r>
+          </a:p>
+          <a:p>
+            <a:r>
+              <a:rPr lang="it-IT" dirty="0" smtClean="0"/>
+              <a:t>Esercizio è relativo</a:t>
+            </a:r>
+            <a:r>
+              <a:rPr lang="it-IT" baseline="0" dirty="0" smtClean="0"/>
+              <a:t> a un modulo</a:t>
+            </a:r>
+          </a:p>
+          <a:p>
+            <a:r>
+              <a:rPr lang="it-IT" baseline="0" dirty="0" err="1" smtClean="0"/>
+              <a:t>EserciziProva</a:t>
+            </a:r>
+            <a:r>
+              <a:rPr lang="it-IT" baseline="0" dirty="0" smtClean="0"/>
+              <a:t> collegano prove e esercizi</a:t>
+            </a:r>
+            <a:endParaRPr lang="it-IT" dirty="0"/>
+          </a:p>
+        </p:txBody>
+      </p:sp>
+      <p:sp>
+        <p:nvSpPr>
+          <p:cNvPr id="4" name="Segnaposto numero diapositiva 3"/>
+          <p:cNvSpPr>
+            <a:spLocks noGrp="1"/>
+          </p:cNvSpPr>
+          <p:nvPr>
+            <p:ph type="sldNum" sz="quarter" idx="10"/>
+          </p:nvPr>
+        </p:nvSpPr>
+        <p:spPr/>
+        <p:txBody>
+          <a:bodyPr/>
+          <a:lstStyle/>
+          <a:p>
+            <a:fld id="{C9F759E3-7C15-48EC-99FB-12CADBBBCA5E}" type="slidenum">
+              <a:rPr lang="it-IT" smtClean="0"/>
+              <a:t>7</a:t>
+            </a:fld>
+            <a:endParaRPr lang="it-IT"/>
+          </a:p>
+        </p:txBody>
+      </p:sp>
+    </p:spTree>
+    <p:extLst>
+      <p:ext uri="{BB962C8B-B14F-4D97-AF65-F5344CB8AC3E}">
+        <p14:creationId xmlns:p14="http://schemas.microsoft.com/office/powerpoint/2010/main" val="3729455638"/>
+      </p:ext>
+    </p:extLst>
+  </p:cSld>
+  <p:clrMapOvr>
+    <a:masterClrMapping/>
+  </p:clrMapOvr>
+</p:notes>
+</file>
+
+<file path=ppt/notesSlides/notesSlide8.xml><?xml version="1.0" encoding="utf-8"?>
+<p:notes xmlns:a="http://schemas.openxmlformats.org/drawingml/2006/main" xmlns:r="http://schemas.openxmlformats.org/officeDocument/2006/relationships" xmlns:p="http://schemas.openxmlformats.org/presentationml/2006/main">
+  <p:cSld>
+    <p:spTree>
+      <p:nvGrpSpPr>
+        <p:cNvPr id="1" name=""/>
+        <p:cNvGrpSpPr/>
+        <p:nvPr/>
+      </p:nvGrpSpPr>
+      <p:grpSpPr>
+        <a:xfrm>
+          <a:off x="0" y="0"/>
+          <a:ext cx="0" cy="0"/>
+          <a:chOff x="0" y="0"/>
+          <a:chExt cx="0" cy="0"/>
+        </a:xfrm>
+      </p:grpSpPr>
+      <p:sp>
+        <p:nvSpPr>
+          <p:cNvPr id="2" name="Segnaposto immagine diapositiva 1"/>
+          <p:cNvSpPr>
+            <a:spLocks noGrp="1" noRot="1" noChangeAspect="1"/>
+          </p:cNvSpPr>
+          <p:nvPr>
+            <p:ph type="sldImg"/>
+          </p:nvPr>
+        </p:nvSpPr>
+        <p:spPr/>
+      </p:sp>
+      <p:sp>
+        <p:nvSpPr>
+          <p:cNvPr id="3" name="Segnaposto note 2"/>
+          <p:cNvSpPr>
+            <a:spLocks noGrp="1"/>
+          </p:cNvSpPr>
+          <p:nvPr>
+            <p:ph type="body" idx="1"/>
+          </p:nvPr>
+        </p:nvSpPr>
+        <p:spPr/>
+        <p:txBody>
+          <a:bodyPr/>
+          <a:lstStyle/>
+          <a:p>
+            <a:r>
+              <a:rPr lang="it-IT" dirty="0" smtClean="0"/>
+              <a:t>Interamente</a:t>
+            </a:r>
+            <a:r>
+              <a:rPr lang="it-IT" baseline="0" dirty="0" smtClean="0"/>
+              <a:t> sviluppato con Visual Studio 2019, C#</a:t>
+            </a:r>
+          </a:p>
+          <a:p>
+            <a:r>
+              <a:rPr lang="it-IT" baseline="0" dirty="0" smtClean="0"/>
+              <a:t>Pattern MVVM</a:t>
+            </a:r>
+          </a:p>
+          <a:p>
+            <a:r>
+              <a:rPr lang="it-IT" baseline="0" dirty="0" smtClean="0"/>
+              <a:t>Progetto che gestisce i dati (</a:t>
+            </a:r>
+            <a:r>
+              <a:rPr lang="it-IT" baseline="0" dirty="0" err="1" smtClean="0"/>
+              <a:t>Models</a:t>
+            </a:r>
+            <a:r>
+              <a:rPr lang="it-IT" baseline="0" dirty="0" smtClean="0"/>
+              <a:t>)</a:t>
+            </a:r>
+          </a:p>
+          <a:p>
+            <a:r>
+              <a:rPr lang="it-IT" baseline="0" dirty="0" smtClean="0"/>
+              <a:t>Progetto che mostra le interfacce (</a:t>
+            </a:r>
+            <a:r>
+              <a:rPr lang="it-IT" baseline="0" dirty="0" err="1" smtClean="0"/>
+              <a:t>Views</a:t>
+            </a:r>
+            <a:r>
+              <a:rPr lang="it-IT" baseline="0" dirty="0" smtClean="0"/>
+              <a:t> e </a:t>
+            </a:r>
+            <a:r>
+              <a:rPr lang="it-IT" baseline="0" dirty="0" err="1" smtClean="0"/>
+              <a:t>ViewModels</a:t>
+            </a:r>
+            <a:r>
+              <a:rPr lang="it-IT" baseline="0" dirty="0" smtClean="0"/>
+              <a:t>)</a:t>
+            </a:r>
+            <a:endParaRPr lang="it-IT" dirty="0"/>
+          </a:p>
+        </p:txBody>
+      </p:sp>
+      <p:sp>
+        <p:nvSpPr>
+          <p:cNvPr id="4" name="Segnaposto numero diapositiva 3"/>
+          <p:cNvSpPr>
+            <a:spLocks noGrp="1"/>
+          </p:cNvSpPr>
+          <p:nvPr>
+            <p:ph type="sldNum" sz="quarter" idx="10"/>
+          </p:nvPr>
+        </p:nvSpPr>
+        <p:spPr/>
+        <p:txBody>
+          <a:bodyPr/>
+          <a:lstStyle/>
+          <a:p>
+            <a:fld id="{C9F759E3-7C15-48EC-99FB-12CADBBBCA5E}" type="slidenum">
+              <a:rPr lang="it-IT" smtClean="0"/>
+              <a:t>8</a:t>
+            </a:fld>
+            <a:endParaRPr lang="it-IT"/>
+          </a:p>
+        </p:txBody>
+      </p:sp>
+    </p:spTree>
+    <p:extLst>
+      <p:ext uri="{BB962C8B-B14F-4D97-AF65-F5344CB8AC3E}">
+        <p14:creationId xmlns:p14="http://schemas.microsoft.com/office/powerpoint/2010/main" val="3488020653"/>
+      </p:ext>
+    </p:extLst>
+  </p:cSld>
+  <p:clrMapOvr>
+    <a:masterClrMapping/>
+  </p:clrMapOvr>
+</p:notes>
+</file>
+
+<file path=ppt/notesSlides/notesSlide9.xml><?xml version="1.0" encoding="utf-8"?>
+<p:notes xmlns:a="http://schemas.openxmlformats.org/drawingml/2006/main" xmlns:r="http://schemas.openxmlformats.org/officeDocument/2006/relationships" xmlns:p="http://schemas.openxmlformats.org/presentationml/2006/main">
+  <p:cSld>
+    <p:spTree>
+      <p:nvGrpSpPr>
+        <p:cNvPr id="1" name=""/>
+        <p:cNvGrpSpPr/>
+        <p:nvPr/>
+      </p:nvGrpSpPr>
+      <p:grpSpPr>
+        <a:xfrm>
+          <a:off x="0" y="0"/>
+          <a:ext cx="0" cy="0"/>
+          <a:chOff x="0" y="0"/>
+          <a:chExt cx="0" cy="0"/>
+        </a:xfrm>
+      </p:grpSpPr>
+      <p:sp>
+        <p:nvSpPr>
+          <p:cNvPr id="2" name="Segnaposto immagine diapositiva 1"/>
+          <p:cNvSpPr>
+            <a:spLocks noGrp="1" noRot="1" noChangeAspect="1"/>
+          </p:cNvSpPr>
+          <p:nvPr>
+            <p:ph type="sldImg"/>
+          </p:nvPr>
+        </p:nvSpPr>
+        <p:spPr/>
+      </p:sp>
+      <p:sp>
+        <p:nvSpPr>
+          <p:cNvPr id="3" name="Segnaposto note 2"/>
+          <p:cNvSpPr>
+            <a:spLocks noGrp="1"/>
+          </p:cNvSpPr>
+          <p:nvPr>
+            <p:ph type="body" idx="1"/>
+          </p:nvPr>
+        </p:nvSpPr>
+        <p:spPr/>
+        <p:txBody>
+          <a:bodyPr/>
+          <a:lstStyle/>
+          <a:p>
+            <a:r>
+              <a:rPr lang="it-IT" dirty="0" smtClean="0"/>
+              <a:t>Semplici classi che definiscono il database</a:t>
+            </a:r>
+          </a:p>
+          <a:p>
+            <a:r>
+              <a:rPr lang="it-IT" dirty="0" err="1" smtClean="0"/>
+              <a:t>BaseEntity</a:t>
+            </a:r>
+            <a:r>
+              <a:rPr lang="it-IT" baseline="0" dirty="0" smtClean="0"/>
+              <a:t> è la base perché contiene l’Id (campo comune a tutte le entità)</a:t>
+            </a:r>
+            <a:endParaRPr lang="it-IT" dirty="0"/>
+          </a:p>
+        </p:txBody>
+      </p:sp>
+      <p:sp>
+        <p:nvSpPr>
+          <p:cNvPr id="4" name="Segnaposto numero diapositiva 3"/>
+          <p:cNvSpPr>
+            <a:spLocks noGrp="1"/>
+          </p:cNvSpPr>
+          <p:nvPr>
+            <p:ph type="sldNum" sz="quarter" idx="10"/>
+          </p:nvPr>
+        </p:nvSpPr>
+        <p:spPr/>
+        <p:txBody>
+          <a:bodyPr/>
+          <a:lstStyle/>
+          <a:p>
+            <a:fld id="{C9F759E3-7C15-48EC-99FB-12CADBBBCA5E}" type="slidenum">
+              <a:rPr lang="it-IT" smtClean="0"/>
+              <a:t>9</a:t>
+            </a:fld>
+            <a:endParaRPr lang="it-IT"/>
+          </a:p>
+        </p:txBody>
+      </p:sp>
+    </p:spTree>
+    <p:extLst>
+      <p:ext uri="{BB962C8B-B14F-4D97-AF65-F5344CB8AC3E}">
+        <p14:creationId xmlns:p14="http://schemas.microsoft.com/office/powerpoint/2010/main" val="2885095430"/>
+      </p:ext>
+    </p:extLst>
+  </p:cSld>
+  <p:clrMapOvr>
+    <a:masterClrMapping/>
+  </p:clrMapOvr>
+</p:notes>
+</file>
+
 <file path=ppt/slideLayouts/slideLayout1.xml><?xml version="1.0" encoding="utf-8"?>
 <p:sldLayout xmlns:a="http://schemas.openxmlformats.org/drawingml/2006/main" xmlns:r="http://schemas.openxmlformats.org/officeDocument/2006/relationships" xmlns:p="http://schemas.openxmlformats.org/presentationml/2006/main" type="title" preserve="1">
   <p:cSld name="Diapositiva titolo">
@@ -269,7 +3427,7 @@
           <a:p>
             <a:fld id="{BA20F9A6-BDFE-46AA-9847-78084676CF47}" type="datetimeFigureOut">
               <a:rPr lang="it-IT" smtClean="0"/>
-              <a:t>21/12/2019</a:t>
+              <a:t>14/01/2020</a:t>
             </a:fld>
             <a:endParaRPr lang="it-IT"/>
           </a:p>
@@ -439,7 +3597,7 @@
           <a:p>
             <a:fld id="{BA20F9A6-BDFE-46AA-9847-78084676CF47}" type="datetimeFigureOut">
               <a:rPr lang="it-IT" smtClean="0"/>
-              <a:t>21/12/2019</a:t>
+              <a:t>14/01/2020</a:t>
             </a:fld>
             <a:endParaRPr lang="it-IT"/>
           </a:p>
@@ -619,7 +3777,7 @@
           <a:p>
             <a:fld id="{BA20F9A6-BDFE-46AA-9847-78084676CF47}" type="datetimeFigureOut">
               <a:rPr lang="it-IT" smtClean="0"/>
-              <a:t>21/12/2019</a:t>
+              <a:t>14/01/2020</a:t>
             </a:fld>
             <a:endParaRPr lang="it-IT"/>
           </a:p>
@@ -789,7 +3947,7 @@
           <a:p>
             <a:fld id="{BA20F9A6-BDFE-46AA-9847-78084676CF47}" type="datetimeFigureOut">
               <a:rPr lang="it-IT" smtClean="0"/>
-              <a:t>21/12/2019</a:t>
+              <a:t>14/01/2020</a:t>
             </a:fld>
             <a:endParaRPr lang="it-IT"/>
           </a:p>
@@ -1035,7 +4193,7 @@
           <a:p>
             <a:fld id="{BA20F9A6-BDFE-46AA-9847-78084676CF47}" type="datetimeFigureOut">
               <a:rPr lang="it-IT" smtClean="0"/>
-              <a:t>21/12/2019</a:t>
+              <a:t>14/01/2020</a:t>
             </a:fld>
             <a:endParaRPr lang="it-IT"/>
           </a:p>
@@ -1267,7 +4425,7 @@
           <a:p>
             <a:fld id="{BA20F9A6-BDFE-46AA-9847-78084676CF47}" type="datetimeFigureOut">
               <a:rPr lang="it-IT" smtClean="0"/>
-              <a:t>21/12/2019</a:t>
+              <a:t>14/01/2020</a:t>
             </a:fld>
             <a:endParaRPr lang="it-IT"/>
           </a:p>
@@ -1634,7 +4792,7 @@
           <a:p>
             <a:fld id="{BA20F9A6-BDFE-46AA-9847-78084676CF47}" type="datetimeFigureOut">
               <a:rPr lang="it-IT" smtClean="0"/>
-              <a:t>21/12/2019</a:t>
+              <a:t>14/01/2020</a:t>
             </a:fld>
             <a:endParaRPr lang="it-IT"/>
           </a:p>
@@ -1752,7 +4910,7 @@
           <a:p>
             <a:fld id="{BA20F9A6-BDFE-46AA-9847-78084676CF47}" type="datetimeFigureOut">
               <a:rPr lang="it-IT" smtClean="0"/>
-              <a:t>21/12/2019</a:t>
+              <a:t>14/01/2020</a:t>
             </a:fld>
             <a:endParaRPr lang="it-IT"/>
           </a:p>
@@ -1847,7 +5005,7 @@
           <a:p>
             <a:fld id="{BA20F9A6-BDFE-46AA-9847-78084676CF47}" type="datetimeFigureOut">
               <a:rPr lang="it-IT" smtClean="0"/>
-              <a:t>21/12/2019</a:t>
+              <a:t>14/01/2020</a:t>
             </a:fld>
             <a:endParaRPr lang="it-IT"/>
           </a:p>
@@ -2124,7 +5282,7 @@
           <a:p>
             <a:fld id="{BA20F9A6-BDFE-46AA-9847-78084676CF47}" type="datetimeFigureOut">
               <a:rPr lang="it-IT" smtClean="0"/>
-              <a:t>21/12/2019</a:t>
+              <a:t>14/01/2020</a:t>
             </a:fld>
             <a:endParaRPr lang="it-IT"/>
           </a:p>
@@ -2377,7 +5535,7 @@
           <a:p>
             <a:fld id="{BA20F9A6-BDFE-46AA-9847-78084676CF47}" type="datetimeFigureOut">
               <a:rPr lang="it-IT" smtClean="0"/>
-              <a:t>21/12/2019</a:t>
+              <a:t>14/01/2020</a:t>
             </a:fld>
             <a:endParaRPr lang="it-IT"/>
           </a:p>
@@ -2590,7 +5748,7 @@
           <a:p>
             <a:fld id="{BA20F9A6-BDFE-46AA-9847-78084676CF47}" type="datetimeFigureOut">
               <a:rPr lang="it-IT" smtClean="0"/>
-              <a:t>21/12/2019</a:t>
+              <a:t>14/01/2020</a:t>
             </a:fld>
             <a:endParaRPr lang="it-IT"/>
           </a:p>
@@ -7783,9 +10941,494 @@
   <p:timing>
     <p:tnLst>
       <p:par>
-        <p:cTn id="1" dur="indefinite" restart="never" nodeType="tmRoot"/>
+        <p:cTn id="1" dur="indefinite" restart="never" nodeType="tmRoot">
+          <p:childTnLst>
+            <p:seq concurrent="1" nextAc="seek">
+              <p:cTn id="2" dur="indefinite" nodeType="mainSeq">
+                <p:childTnLst>
+                  <p:par>
+                    <p:cTn id="3" fill="hold">
+                      <p:stCondLst>
+                        <p:cond delay="indefinite"/>
+                      </p:stCondLst>
+                      <p:childTnLst>
+                        <p:par>
+                          <p:cTn id="4" fill="hold">
+                            <p:stCondLst>
+                              <p:cond delay="0"/>
+                            </p:stCondLst>
+                            <p:childTnLst>
+                              <p:par>
+                                <p:cTn id="5" presetID="10" presetClass="entr" presetSubtype="0" fill="hold" grpId="0" nodeType="clickEffect">
+                                  <p:stCondLst>
+                                    <p:cond delay="0"/>
+                                  </p:stCondLst>
+                                  <p:childTnLst>
+                                    <p:set>
+                                      <p:cBhvr>
+                                        <p:cTn id="6" dur="1" fill="hold">
+                                          <p:stCondLst>
+                                            <p:cond delay="0"/>
+                                          </p:stCondLst>
+                                        </p:cTn>
+                                        <p:tgtEl>
+                                          <p:spTgt spid="3">
+                                            <p:txEl>
+                                              <p:pRg st="0" end="0"/>
+                                            </p:txEl>
+                                          </p:spTgt>
+                                        </p:tgtEl>
+                                        <p:attrNameLst>
+                                          <p:attrName>style.visibility</p:attrName>
+                                        </p:attrNameLst>
+                                      </p:cBhvr>
+                                      <p:to>
+                                        <p:strVal val="visible"/>
+                                      </p:to>
+                                    </p:set>
+                                    <p:animEffect transition="in" filter="fade">
+                                      <p:cBhvr>
+                                        <p:cTn id="7" dur="500"/>
+                                        <p:tgtEl>
+                                          <p:spTgt spid="3">
+                                            <p:txEl>
+                                              <p:pRg st="0" end="0"/>
+                                            </p:txEl>
+                                          </p:spTgt>
+                                        </p:tgtEl>
+                                      </p:cBhvr>
+                                    </p:animEffect>
+                                  </p:childTnLst>
+                                </p:cTn>
+                              </p:par>
+                            </p:childTnLst>
+                          </p:cTn>
+                        </p:par>
+                      </p:childTnLst>
+                    </p:cTn>
+                  </p:par>
+                  <p:par>
+                    <p:cTn id="8" fill="hold">
+                      <p:stCondLst>
+                        <p:cond delay="indefinite"/>
+                      </p:stCondLst>
+                      <p:childTnLst>
+                        <p:par>
+                          <p:cTn id="9" fill="hold">
+                            <p:stCondLst>
+                              <p:cond delay="0"/>
+                            </p:stCondLst>
+                            <p:childTnLst>
+                              <p:par>
+                                <p:cTn id="10" presetID="10" presetClass="entr" presetSubtype="0" fill="hold" grpId="0" nodeType="clickEffect">
+                                  <p:stCondLst>
+                                    <p:cond delay="0"/>
+                                  </p:stCondLst>
+                                  <p:childTnLst>
+                                    <p:set>
+                                      <p:cBhvr>
+                                        <p:cTn id="11" dur="1" fill="hold">
+                                          <p:stCondLst>
+                                            <p:cond delay="0"/>
+                                          </p:stCondLst>
+                                        </p:cTn>
+                                        <p:tgtEl>
+                                          <p:spTgt spid="3">
+                                            <p:txEl>
+                                              <p:pRg st="1" end="1"/>
+                                            </p:txEl>
+                                          </p:spTgt>
+                                        </p:tgtEl>
+                                        <p:attrNameLst>
+                                          <p:attrName>style.visibility</p:attrName>
+                                        </p:attrNameLst>
+                                      </p:cBhvr>
+                                      <p:to>
+                                        <p:strVal val="visible"/>
+                                      </p:to>
+                                    </p:set>
+                                    <p:animEffect transition="in" filter="fade">
+                                      <p:cBhvr>
+                                        <p:cTn id="12" dur="500"/>
+                                        <p:tgtEl>
+                                          <p:spTgt spid="3">
+                                            <p:txEl>
+                                              <p:pRg st="1" end="1"/>
+                                            </p:txEl>
+                                          </p:spTgt>
+                                        </p:tgtEl>
+                                      </p:cBhvr>
+                                    </p:animEffect>
+                                  </p:childTnLst>
+                                </p:cTn>
+                              </p:par>
+                            </p:childTnLst>
+                          </p:cTn>
+                        </p:par>
+                      </p:childTnLst>
+                    </p:cTn>
+                  </p:par>
+                  <p:par>
+                    <p:cTn id="13" fill="hold">
+                      <p:stCondLst>
+                        <p:cond delay="indefinite"/>
+                      </p:stCondLst>
+                      <p:childTnLst>
+                        <p:par>
+                          <p:cTn id="14" fill="hold">
+                            <p:stCondLst>
+                              <p:cond delay="0"/>
+                            </p:stCondLst>
+                            <p:childTnLst>
+                              <p:par>
+                                <p:cTn id="15" presetID="10" presetClass="entr" presetSubtype="0" fill="hold" grpId="0" nodeType="clickEffect">
+                                  <p:stCondLst>
+                                    <p:cond delay="0"/>
+                                  </p:stCondLst>
+                                  <p:childTnLst>
+                                    <p:set>
+                                      <p:cBhvr>
+                                        <p:cTn id="16" dur="1" fill="hold">
+                                          <p:stCondLst>
+                                            <p:cond delay="0"/>
+                                          </p:stCondLst>
+                                        </p:cTn>
+                                        <p:tgtEl>
+                                          <p:spTgt spid="3">
+                                            <p:txEl>
+                                              <p:pRg st="2" end="2"/>
+                                            </p:txEl>
+                                          </p:spTgt>
+                                        </p:tgtEl>
+                                        <p:attrNameLst>
+                                          <p:attrName>style.visibility</p:attrName>
+                                        </p:attrNameLst>
+                                      </p:cBhvr>
+                                      <p:to>
+                                        <p:strVal val="visible"/>
+                                      </p:to>
+                                    </p:set>
+                                    <p:animEffect transition="in" filter="fade">
+                                      <p:cBhvr>
+                                        <p:cTn id="17" dur="500"/>
+                                        <p:tgtEl>
+                                          <p:spTgt spid="3">
+                                            <p:txEl>
+                                              <p:pRg st="2" end="2"/>
+                                            </p:txEl>
+                                          </p:spTgt>
+                                        </p:tgtEl>
+                                      </p:cBhvr>
+                                    </p:animEffect>
+                                  </p:childTnLst>
+                                </p:cTn>
+                              </p:par>
+                            </p:childTnLst>
+                          </p:cTn>
+                        </p:par>
+                      </p:childTnLst>
+                    </p:cTn>
+                  </p:par>
+                  <p:par>
+                    <p:cTn id="18" fill="hold">
+                      <p:stCondLst>
+                        <p:cond delay="indefinite"/>
+                      </p:stCondLst>
+                      <p:childTnLst>
+                        <p:par>
+                          <p:cTn id="19" fill="hold">
+                            <p:stCondLst>
+                              <p:cond delay="0"/>
+                            </p:stCondLst>
+                            <p:childTnLst>
+                              <p:par>
+                                <p:cTn id="20" presetID="10" presetClass="entr" presetSubtype="0" fill="hold" grpId="0" nodeType="clickEffect">
+                                  <p:stCondLst>
+                                    <p:cond delay="0"/>
+                                  </p:stCondLst>
+                                  <p:childTnLst>
+                                    <p:set>
+                                      <p:cBhvr>
+                                        <p:cTn id="21" dur="1" fill="hold">
+                                          <p:stCondLst>
+                                            <p:cond delay="0"/>
+                                          </p:stCondLst>
+                                        </p:cTn>
+                                        <p:tgtEl>
+                                          <p:spTgt spid="3">
+                                            <p:txEl>
+                                              <p:pRg st="3" end="3"/>
+                                            </p:txEl>
+                                          </p:spTgt>
+                                        </p:tgtEl>
+                                        <p:attrNameLst>
+                                          <p:attrName>style.visibility</p:attrName>
+                                        </p:attrNameLst>
+                                      </p:cBhvr>
+                                      <p:to>
+                                        <p:strVal val="visible"/>
+                                      </p:to>
+                                    </p:set>
+                                    <p:animEffect transition="in" filter="fade">
+                                      <p:cBhvr>
+                                        <p:cTn id="22" dur="500"/>
+                                        <p:tgtEl>
+                                          <p:spTgt spid="3">
+                                            <p:txEl>
+                                              <p:pRg st="3" end="3"/>
+                                            </p:txEl>
+                                          </p:spTgt>
+                                        </p:tgtEl>
+                                      </p:cBhvr>
+                                    </p:animEffect>
+                                  </p:childTnLst>
+                                </p:cTn>
+                              </p:par>
+                              <p:par>
+                                <p:cTn id="23" presetID="10" presetClass="entr" presetSubtype="0" fill="hold" grpId="0" nodeType="withEffect">
+                                  <p:stCondLst>
+                                    <p:cond delay="0"/>
+                                  </p:stCondLst>
+                                  <p:childTnLst>
+                                    <p:set>
+                                      <p:cBhvr>
+                                        <p:cTn id="24" dur="1" fill="hold">
+                                          <p:stCondLst>
+                                            <p:cond delay="0"/>
+                                          </p:stCondLst>
+                                        </p:cTn>
+                                        <p:tgtEl>
+                                          <p:spTgt spid="3">
+                                            <p:txEl>
+                                              <p:pRg st="4" end="4"/>
+                                            </p:txEl>
+                                          </p:spTgt>
+                                        </p:tgtEl>
+                                        <p:attrNameLst>
+                                          <p:attrName>style.visibility</p:attrName>
+                                        </p:attrNameLst>
+                                      </p:cBhvr>
+                                      <p:to>
+                                        <p:strVal val="visible"/>
+                                      </p:to>
+                                    </p:set>
+                                    <p:animEffect transition="in" filter="fade">
+                                      <p:cBhvr>
+                                        <p:cTn id="25" dur="500"/>
+                                        <p:tgtEl>
+                                          <p:spTgt spid="3">
+                                            <p:txEl>
+                                              <p:pRg st="4" end="4"/>
+                                            </p:txEl>
+                                          </p:spTgt>
+                                        </p:tgtEl>
+                                      </p:cBhvr>
+                                    </p:animEffect>
+                                  </p:childTnLst>
+                                </p:cTn>
+                              </p:par>
+                              <p:par>
+                                <p:cTn id="26" presetID="10" presetClass="entr" presetSubtype="0" fill="hold" grpId="0" nodeType="withEffect">
+                                  <p:stCondLst>
+                                    <p:cond delay="0"/>
+                                  </p:stCondLst>
+                                  <p:childTnLst>
+                                    <p:set>
+                                      <p:cBhvr>
+                                        <p:cTn id="27" dur="1" fill="hold">
+                                          <p:stCondLst>
+                                            <p:cond delay="0"/>
+                                          </p:stCondLst>
+                                        </p:cTn>
+                                        <p:tgtEl>
+                                          <p:spTgt spid="3">
+                                            <p:txEl>
+                                              <p:pRg st="5" end="5"/>
+                                            </p:txEl>
+                                          </p:spTgt>
+                                        </p:tgtEl>
+                                        <p:attrNameLst>
+                                          <p:attrName>style.visibility</p:attrName>
+                                        </p:attrNameLst>
+                                      </p:cBhvr>
+                                      <p:to>
+                                        <p:strVal val="visible"/>
+                                      </p:to>
+                                    </p:set>
+                                    <p:animEffect transition="in" filter="fade">
+                                      <p:cBhvr>
+                                        <p:cTn id="28" dur="500"/>
+                                        <p:tgtEl>
+                                          <p:spTgt spid="3">
+                                            <p:txEl>
+                                              <p:pRg st="5" end="5"/>
+                                            </p:txEl>
+                                          </p:spTgt>
+                                        </p:tgtEl>
+                                      </p:cBhvr>
+                                    </p:animEffect>
+                                  </p:childTnLst>
+                                </p:cTn>
+                              </p:par>
+                              <p:par>
+                                <p:cTn id="29" presetID="10" presetClass="entr" presetSubtype="0" fill="hold" grpId="0" nodeType="withEffect">
+                                  <p:stCondLst>
+                                    <p:cond delay="0"/>
+                                  </p:stCondLst>
+                                  <p:childTnLst>
+                                    <p:set>
+                                      <p:cBhvr>
+                                        <p:cTn id="30" dur="1" fill="hold">
+                                          <p:stCondLst>
+                                            <p:cond delay="0"/>
+                                          </p:stCondLst>
+                                        </p:cTn>
+                                        <p:tgtEl>
+                                          <p:spTgt spid="3">
+                                            <p:txEl>
+                                              <p:pRg st="6" end="6"/>
+                                            </p:txEl>
+                                          </p:spTgt>
+                                        </p:tgtEl>
+                                        <p:attrNameLst>
+                                          <p:attrName>style.visibility</p:attrName>
+                                        </p:attrNameLst>
+                                      </p:cBhvr>
+                                      <p:to>
+                                        <p:strVal val="visible"/>
+                                      </p:to>
+                                    </p:set>
+                                    <p:animEffect transition="in" filter="fade">
+                                      <p:cBhvr>
+                                        <p:cTn id="31" dur="500"/>
+                                        <p:tgtEl>
+                                          <p:spTgt spid="3">
+                                            <p:txEl>
+                                              <p:pRg st="6" end="6"/>
+                                            </p:txEl>
+                                          </p:spTgt>
+                                        </p:tgtEl>
+                                      </p:cBhvr>
+                                    </p:animEffect>
+                                  </p:childTnLst>
+                                </p:cTn>
+                              </p:par>
+                              <p:par>
+                                <p:cTn id="32" presetID="10" presetClass="entr" presetSubtype="0" fill="hold" grpId="0" nodeType="withEffect">
+                                  <p:stCondLst>
+                                    <p:cond delay="0"/>
+                                  </p:stCondLst>
+                                  <p:childTnLst>
+                                    <p:set>
+                                      <p:cBhvr>
+                                        <p:cTn id="33" dur="1" fill="hold">
+                                          <p:stCondLst>
+                                            <p:cond delay="0"/>
+                                          </p:stCondLst>
+                                        </p:cTn>
+                                        <p:tgtEl>
+                                          <p:spTgt spid="3">
+                                            <p:txEl>
+                                              <p:pRg st="7" end="7"/>
+                                            </p:txEl>
+                                          </p:spTgt>
+                                        </p:tgtEl>
+                                        <p:attrNameLst>
+                                          <p:attrName>style.visibility</p:attrName>
+                                        </p:attrNameLst>
+                                      </p:cBhvr>
+                                      <p:to>
+                                        <p:strVal val="visible"/>
+                                      </p:to>
+                                    </p:set>
+                                    <p:animEffect transition="in" filter="fade">
+                                      <p:cBhvr>
+                                        <p:cTn id="34" dur="500"/>
+                                        <p:tgtEl>
+                                          <p:spTgt spid="3">
+                                            <p:txEl>
+                                              <p:pRg st="7" end="7"/>
+                                            </p:txEl>
+                                          </p:spTgt>
+                                        </p:tgtEl>
+                                      </p:cBhvr>
+                                    </p:animEffect>
+                                  </p:childTnLst>
+                                </p:cTn>
+                              </p:par>
+                              <p:par>
+                                <p:cTn id="35" presetID="10" presetClass="entr" presetSubtype="0" fill="hold" grpId="0" nodeType="withEffect">
+                                  <p:stCondLst>
+                                    <p:cond delay="0"/>
+                                  </p:stCondLst>
+                                  <p:childTnLst>
+                                    <p:set>
+                                      <p:cBhvr>
+                                        <p:cTn id="36" dur="1" fill="hold">
+                                          <p:stCondLst>
+                                            <p:cond delay="0"/>
+                                          </p:stCondLst>
+                                        </p:cTn>
+                                        <p:tgtEl>
+                                          <p:spTgt spid="3">
+                                            <p:txEl>
+                                              <p:pRg st="8" end="8"/>
+                                            </p:txEl>
+                                          </p:spTgt>
+                                        </p:tgtEl>
+                                        <p:attrNameLst>
+                                          <p:attrName>style.visibility</p:attrName>
+                                        </p:attrNameLst>
+                                      </p:cBhvr>
+                                      <p:to>
+                                        <p:strVal val="visible"/>
+                                      </p:to>
+                                    </p:set>
+                                    <p:animEffect transition="in" filter="fade">
+                                      <p:cBhvr>
+                                        <p:cTn id="37" dur="500"/>
+                                        <p:tgtEl>
+                                          <p:spTgt spid="3">
+                                            <p:txEl>
+                                              <p:pRg st="8" end="8"/>
+                                            </p:txEl>
+                                          </p:spTgt>
+                                        </p:tgtEl>
+                                      </p:cBhvr>
+                                    </p:animEffect>
+                                  </p:childTnLst>
+                                </p:cTn>
+                              </p:par>
+                            </p:childTnLst>
+                          </p:cTn>
+                        </p:par>
+                      </p:childTnLst>
+                    </p:cTn>
+                  </p:par>
+                </p:childTnLst>
+              </p:cTn>
+              <p:prevCondLst>
+                <p:cond evt="onPrev" delay="0">
+                  <p:tgtEl>
+                    <p:sldTgt/>
+                  </p:tgtEl>
+                </p:cond>
+              </p:prevCondLst>
+              <p:nextCondLst>
+                <p:cond evt="onNext" delay="0">
+                  <p:tgtEl>
+                    <p:sldTgt/>
+                  </p:tgtEl>
+                </p:cond>
+              </p:nextCondLst>
+            </p:seq>
+          </p:childTnLst>
+        </p:cTn>
       </p:par>
     </p:tnLst>
+    <p:bldLst>
+      <p:bldP spid="3" grpId="0" build="p"/>
+    </p:bldLst>
   </p:timing>
 </p:sld>
 </file>
@@ -9006,9 +12649,157 @@
   <p:timing>
     <p:tnLst>
       <p:par>
-        <p:cTn id="1" dur="indefinite" restart="never" nodeType="tmRoot"/>
+        <p:cTn id="1" dur="indefinite" restart="never" nodeType="tmRoot">
+          <p:childTnLst>
+            <p:seq concurrent="1" nextAc="seek">
+              <p:cTn id="2" dur="indefinite" nodeType="mainSeq">
+                <p:childTnLst>
+                  <p:par>
+                    <p:cTn id="3" fill="hold">
+                      <p:stCondLst>
+                        <p:cond delay="indefinite"/>
+                      </p:stCondLst>
+                      <p:childTnLst>
+                        <p:par>
+                          <p:cTn id="4" fill="hold">
+                            <p:stCondLst>
+                              <p:cond delay="0"/>
+                            </p:stCondLst>
+                            <p:childTnLst>
+                              <p:par>
+                                <p:cTn id="5" presetID="10" presetClass="entr" presetSubtype="0" fill="hold" grpId="0" nodeType="clickEffect">
+                                  <p:stCondLst>
+                                    <p:cond delay="0"/>
+                                  </p:stCondLst>
+                                  <p:childTnLst>
+                                    <p:set>
+                                      <p:cBhvr>
+                                        <p:cTn id="6" dur="1" fill="hold">
+                                          <p:stCondLst>
+                                            <p:cond delay="0"/>
+                                          </p:stCondLst>
+                                        </p:cTn>
+                                        <p:tgtEl>
+                                          <p:spTgt spid="3">
+                                            <p:txEl>
+                                              <p:pRg st="0" end="0"/>
+                                            </p:txEl>
+                                          </p:spTgt>
+                                        </p:tgtEl>
+                                        <p:attrNameLst>
+                                          <p:attrName>style.visibility</p:attrName>
+                                        </p:attrNameLst>
+                                      </p:cBhvr>
+                                      <p:to>
+                                        <p:strVal val="visible"/>
+                                      </p:to>
+                                    </p:set>
+                                    <p:animEffect transition="in" filter="fade">
+                                      <p:cBhvr>
+                                        <p:cTn id="7" dur="500"/>
+                                        <p:tgtEl>
+                                          <p:spTgt spid="3">
+                                            <p:txEl>
+                                              <p:pRg st="0" end="0"/>
+                                            </p:txEl>
+                                          </p:spTgt>
+                                        </p:tgtEl>
+                                      </p:cBhvr>
+                                    </p:animEffect>
+                                  </p:childTnLst>
+                                </p:cTn>
+                              </p:par>
+                            </p:childTnLst>
+                          </p:cTn>
+                        </p:par>
+                      </p:childTnLst>
+                    </p:cTn>
+                  </p:par>
+                  <p:par>
+                    <p:cTn id="8" fill="hold">
+                      <p:stCondLst>
+                        <p:cond delay="indefinite"/>
+                      </p:stCondLst>
+                      <p:childTnLst>
+                        <p:par>
+                          <p:cTn id="9" fill="hold">
+                            <p:stCondLst>
+                              <p:cond delay="0"/>
+                            </p:stCondLst>
+                            <p:childTnLst>
+                              <p:par>
+                                <p:cTn id="10" presetID="10" presetClass="entr" presetSubtype="0" fill="hold" grpId="0" nodeType="clickEffect">
+                                  <p:stCondLst>
+                                    <p:cond delay="0"/>
+                                  </p:stCondLst>
+                                  <p:childTnLst>
+                                    <p:set>
+                                      <p:cBhvr>
+                                        <p:cTn id="11" dur="1" fill="hold">
+                                          <p:stCondLst>
+                                            <p:cond delay="0"/>
+                                          </p:stCondLst>
+                                        </p:cTn>
+                                        <p:tgtEl>
+                                          <p:spTgt spid="3">
+                                            <p:txEl>
+                                              <p:pRg st="1" end="1"/>
+                                            </p:txEl>
+                                          </p:spTgt>
+                                        </p:tgtEl>
+                                        <p:attrNameLst>
+                                          <p:attrName>style.visibility</p:attrName>
+                                        </p:attrNameLst>
+                                      </p:cBhvr>
+                                      <p:to>
+                                        <p:strVal val="visible"/>
+                                      </p:to>
+                                    </p:set>
+                                    <p:animEffect transition="in" filter="fade">
+                                      <p:cBhvr>
+                                        <p:cTn id="12" dur="500"/>
+                                        <p:tgtEl>
+                                          <p:spTgt spid="3">
+                                            <p:txEl>
+                                              <p:pRg st="1" end="1"/>
+                                            </p:txEl>
+                                          </p:spTgt>
+                                        </p:tgtEl>
+                                      </p:cBhvr>
+                                    </p:animEffect>
+                                  </p:childTnLst>
+                                </p:cTn>
+                              </p:par>
+                            </p:childTnLst>
+                          </p:cTn>
+                        </p:par>
+                      </p:childTnLst>
+                    </p:cTn>
+                  </p:par>
+                </p:childTnLst>
+              </p:cTn>
+              <p:prevCondLst>
+                <p:cond evt="onPrev" delay="0">
+                  <p:tgtEl>
+                    <p:sldTgt/>
+                  </p:tgtEl>
+                </p:cond>
+              </p:prevCondLst>
+              <p:nextCondLst>
+                <p:cond evt="onNext" delay="0">
+                  <p:tgtEl>
+                    <p:sldTgt/>
+                  </p:tgtEl>
+                </p:cond>
+              </p:nextCondLst>
+            </p:seq>
+          </p:childTnLst>
+        </p:cTn>
       </p:par>
     </p:tnLst>
+    <p:bldLst>
+      <p:bldP spid="3" grpId="0" build="p"/>
+    </p:bldLst>
   </p:timing>
 </p:sld>
 </file>
@@ -10627,7 +14418,7 @@
           </p:nvPr>
         </p:nvPicPr>
         <p:blipFill>
-          <a:blip r:embed="rId2">
+          <a:blip r:embed="rId3">
             <a:extLst>
               <a:ext uri="{28A0092B-C50C-407E-A947-70E740481C1C}">
                 <a14:useLocalDpi xmlns:a14="http://schemas.microsoft.com/office/drawing/2010/main" val="0"/>
@@ -10716,7 +14507,7 @@
           </p:nvPr>
         </p:nvPicPr>
         <p:blipFill>
-          <a:blip r:embed="rId2">
+          <a:blip r:embed="rId3">
             <a:extLst>
               <a:ext uri="{28A0092B-C50C-407E-A947-70E740481C1C}">
                 <a14:useLocalDpi xmlns:a14="http://schemas.microsoft.com/office/drawing/2010/main" val="0"/>
@@ -10805,7 +14596,7 @@
           </p:nvPr>
         </p:nvPicPr>
         <p:blipFill>
-          <a:blip r:embed="rId2">
+          <a:blip r:embed="rId3">
             <a:extLst>
               <a:ext uri="{28A0092B-C50C-407E-A947-70E740481C1C}">
                 <a14:useLocalDpi xmlns:a14="http://schemas.microsoft.com/office/drawing/2010/main" val="0"/>
@@ -10894,7 +14685,7 @@
           </p:nvPr>
         </p:nvPicPr>
         <p:blipFill>
-          <a:blip r:embed="rId2">
+          <a:blip r:embed="rId3">
             <a:extLst>
               <a:ext uri="{28A0092B-C50C-407E-A947-70E740481C1C}">
                 <a14:useLocalDpi xmlns:a14="http://schemas.microsoft.com/office/drawing/2010/main" val="0"/>
@@ -11034,9 +14825,286 @@
   <p:timing>
     <p:tnLst>
       <p:par>
-        <p:cTn id="1" dur="indefinite" restart="never" nodeType="tmRoot"/>
+        <p:cTn id="1" dur="indefinite" restart="never" nodeType="tmRoot">
+          <p:childTnLst>
+            <p:seq concurrent="1" nextAc="seek">
+              <p:cTn id="2" dur="indefinite" nodeType="mainSeq">
+                <p:childTnLst>
+                  <p:par>
+                    <p:cTn id="3" fill="hold">
+                      <p:stCondLst>
+                        <p:cond delay="indefinite"/>
+                      </p:stCondLst>
+                      <p:childTnLst>
+                        <p:par>
+                          <p:cTn id="4" fill="hold">
+                            <p:stCondLst>
+                              <p:cond delay="0"/>
+                            </p:stCondLst>
+                            <p:childTnLst>
+                              <p:par>
+                                <p:cTn id="5" presetID="10" presetClass="entr" presetSubtype="0" fill="hold" grpId="0" nodeType="clickEffect">
+                                  <p:stCondLst>
+                                    <p:cond delay="0"/>
+                                  </p:stCondLst>
+                                  <p:childTnLst>
+                                    <p:set>
+                                      <p:cBhvr>
+                                        <p:cTn id="6" dur="1" fill="hold">
+                                          <p:stCondLst>
+                                            <p:cond delay="0"/>
+                                          </p:stCondLst>
+                                        </p:cTn>
+                                        <p:tgtEl>
+                                          <p:spTgt spid="3">
+                                            <p:txEl>
+                                              <p:pRg st="0" end="0"/>
+                                            </p:txEl>
+                                          </p:spTgt>
+                                        </p:tgtEl>
+                                        <p:attrNameLst>
+                                          <p:attrName>style.visibility</p:attrName>
+                                        </p:attrNameLst>
+                                      </p:cBhvr>
+                                      <p:to>
+                                        <p:strVal val="visible"/>
+                                      </p:to>
+                                    </p:set>
+                                    <p:animEffect transition="in" filter="fade">
+                                      <p:cBhvr>
+                                        <p:cTn id="7" dur="500"/>
+                                        <p:tgtEl>
+                                          <p:spTgt spid="3">
+                                            <p:txEl>
+                                              <p:pRg st="0" end="0"/>
+                                            </p:txEl>
+                                          </p:spTgt>
+                                        </p:tgtEl>
+                                      </p:cBhvr>
+                                    </p:animEffect>
+                                  </p:childTnLst>
+                                </p:cTn>
+                              </p:par>
+                              <p:par>
+                                <p:cTn id="8" presetID="10" presetClass="entr" presetSubtype="0" fill="hold" grpId="0" nodeType="withEffect">
+                                  <p:stCondLst>
+                                    <p:cond delay="0"/>
+                                  </p:stCondLst>
+                                  <p:childTnLst>
+                                    <p:set>
+                                      <p:cBhvr>
+                                        <p:cTn id="9" dur="1" fill="hold">
+                                          <p:stCondLst>
+                                            <p:cond delay="0"/>
+                                          </p:stCondLst>
+                                        </p:cTn>
+                                        <p:tgtEl>
+                                          <p:spTgt spid="3">
+                                            <p:txEl>
+                                              <p:pRg st="1" end="1"/>
+                                            </p:txEl>
+                                          </p:spTgt>
+                                        </p:tgtEl>
+                                        <p:attrNameLst>
+                                          <p:attrName>style.visibility</p:attrName>
+                                        </p:attrNameLst>
+                                      </p:cBhvr>
+                                      <p:to>
+                                        <p:strVal val="visible"/>
+                                      </p:to>
+                                    </p:set>
+                                    <p:animEffect transition="in" filter="fade">
+                                      <p:cBhvr>
+                                        <p:cTn id="10" dur="500"/>
+                                        <p:tgtEl>
+                                          <p:spTgt spid="3">
+                                            <p:txEl>
+                                              <p:pRg st="1" end="1"/>
+                                            </p:txEl>
+                                          </p:spTgt>
+                                        </p:tgtEl>
+                                      </p:cBhvr>
+                                    </p:animEffect>
+                                  </p:childTnLst>
+                                </p:cTn>
+                              </p:par>
+                            </p:childTnLst>
+                          </p:cTn>
+                        </p:par>
+                      </p:childTnLst>
+                    </p:cTn>
+                  </p:par>
+                  <p:par>
+                    <p:cTn id="11" fill="hold">
+                      <p:stCondLst>
+                        <p:cond delay="indefinite"/>
+                      </p:stCondLst>
+                      <p:childTnLst>
+                        <p:par>
+                          <p:cTn id="12" fill="hold">
+                            <p:stCondLst>
+                              <p:cond delay="0"/>
+                            </p:stCondLst>
+                            <p:childTnLst>
+                              <p:par>
+                                <p:cTn id="13" presetID="10" presetClass="entr" presetSubtype="0" fill="hold" grpId="0" nodeType="clickEffect">
+                                  <p:stCondLst>
+                                    <p:cond delay="0"/>
+                                  </p:stCondLst>
+                                  <p:childTnLst>
+                                    <p:set>
+                                      <p:cBhvr>
+                                        <p:cTn id="14" dur="1" fill="hold">
+                                          <p:stCondLst>
+                                            <p:cond delay="0"/>
+                                          </p:stCondLst>
+                                        </p:cTn>
+                                        <p:tgtEl>
+                                          <p:spTgt spid="3">
+                                            <p:txEl>
+                                              <p:pRg st="2" end="2"/>
+                                            </p:txEl>
+                                          </p:spTgt>
+                                        </p:tgtEl>
+                                        <p:attrNameLst>
+                                          <p:attrName>style.visibility</p:attrName>
+                                        </p:attrNameLst>
+                                      </p:cBhvr>
+                                      <p:to>
+                                        <p:strVal val="visible"/>
+                                      </p:to>
+                                    </p:set>
+                                    <p:animEffect transition="in" filter="fade">
+                                      <p:cBhvr>
+                                        <p:cTn id="15" dur="500"/>
+                                        <p:tgtEl>
+                                          <p:spTgt spid="3">
+                                            <p:txEl>
+                                              <p:pRg st="2" end="2"/>
+                                            </p:txEl>
+                                          </p:spTgt>
+                                        </p:tgtEl>
+                                      </p:cBhvr>
+                                    </p:animEffect>
+                                  </p:childTnLst>
+                                </p:cTn>
+                              </p:par>
+                              <p:par>
+                                <p:cTn id="16" presetID="10" presetClass="entr" presetSubtype="0" fill="hold" grpId="0" nodeType="withEffect">
+                                  <p:stCondLst>
+                                    <p:cond delay="0"/>
+                                  </p:stCondLst>
+                                  <p:childTnLst>
+                                    <p:set>
+                                      <p:cBhvr>
+                                        <p:cTn id="17" dur="1" fill="hold">
+                                          <p:stCondLst>
+                                            <p:cond delay="0"/>
+                                          </p:stCondLst>
+                                        </p:cTn>
+                                        <p:tgtEl>
+                                          <p:spTgt spid="3">
+                                            <p:txEl>
+                                              <p:pRg st="3" end="3"/>
+                                            </p:txEl>
+                                          </p:spTgt>
+                                        </p:tgtEl>
+                                        <p:attrNameLst>
+                                          <p:attrName>style.visibility</p:attrName>
+                                        </p:attrNameLst>
+                                      </p:cBhvr>
+                                      <p:to>
+                                        <p:strVal val="visible"/>
+                                      </p:to>
+                                    </p:set>
+                                    <p:animEffect transition="in" filter="fade">
+                                      <p:cBhvr>
+                                        <p:cTn id="18" dur="500"/>
+                                        <p:tgtEl>
+                                          <p:spTgt spid="3">
+                                            <p:txEl>
+                                              <p:pRg st="3" end="3"/>
+                                            </p:txEl>
+                                          </p:spTgt>
+                                        </p:tgtEl>
+                                      </p:cBhvr>
+                                    </p:animEffect>
+                                  </p:childTnLst>
+                                </p:cTn>
+                              </p:par>
+                              <p:par>
+                                <p:cTn id="19" presetID="10" presetClass="entr" presetSubtype="0" fill="hold" grpId="0" nodeType="withEffect">
+                                  <p:stCondLst>
+                                    <p:cond delay="0"/>
+                                  </p:stCondLst>
+                                  <p:childTnLst>
+                                    <p:set>
+                                      <p:cBhvr>
+                                        <p:cTn id="20" dur="1" fill="hold">
+                                          <p:stCondLst>
+                                            <p:cond delay="0"/>
+                                          </p:stCondLst>
+                                        </p:cTn>
+                                        <p:tgtEl>
+                                          <p:spTgt spid="3">
+                                            <p:txEl>
+                                              <p:pRg st="4" end="4"/>
+                                            </p:txEl>
+                                          </p:spTgt>
+                                        </p:tgtEl>
+                                        <p:attrNameLst>
+                                          <p:attrName>style.visibility</p:attrName>
+                                        </p:attrNameLst>
+                                      </p:cBhvr>
+                                      <p:to>
+                                        <p:strVal val="visible"/>
+                                      </p:to>
+                                    </p:set>
+                                    <p:animEffect transition="in" filter="fade">
+                                      <p:cBhvr>
+                                        <p:cTn id="21" dur="500"/>
+                                        <p:tgtEl>
+                                          <p:spTgt spid="3">
+                                            <p:txEl>
+                                              <p:pRg st="4" end="4"/>
+                                            </p:txEl>
+                                          </p:spTgt>
+                                        </p:tgtEl>
+                                      </p:cBhvr>
+                                    </p:animEffect>
+                                  </p:childTnLst>
+                                </p:cTn>
+                              </p:par>
+                            </p:childTnLst>
+                          </p:cTn>
+                        </p:par>
+                      </p:childTnLst>
+                    </p:cTn>
+                  </p:par>
+                </p:childTnLst>
+              </p:cTn>
+              <p:prevCondLst>
+                <p:cond evt="onPrev" delay="0">
+                  <p:tgtEl>
+                    <p:sldTgt/>
+                  </p:tgtEl>
+                </p:cond>
+              </p:prevCondLst>
+              <p:nextCondLst>
+                <p:cond evt="onNext" delay="0">
+                  <p:tgtEl>
+                    <p:sldTgt/>
+                  </p:tgtEl>
+                </p:cond>
+              </p:nextCondLst>
+            </p:seq>
+          </p:childTnLst>
+        </p:cTn>
       </p:par>
     </p:tnLst>
+    <p:bldLst>
+      <p:bldP spid="3" grpId="0" build="p"/>
+    </p:bldLst>
   </p:timing>
 </p:sld>
 </file>
@@ -11224,9 +15292,279 @@
   <p:timing>
     <p:tnLst>
       <p:par>
-        <p:cTn id="1" dur="indefinite" restart="never" nodeType="tmRoot"/>
+        <p:cTn id="1" dur="indefinite" restart="never" nodeType="tmRoot">
+          <p:childTnLst>
+            <p:seq concurrent="1" nextAc="seek">
+              <p:cTn id="2" dur="indefinite" nodeType="mainSeq">
+                <p:childTnLst>
+                  <p:par>
+                    <p:cTn id="3" fill="hold">
+                      <p:stCondLst>
+                        <p:cond delay="indefinite"/>
+                      </p:stCondLst>
+                      <p:childTnLst>
+                        <p:par>
+                          <p:cTn id="4" fill="hold">
+                            <p:stCondLst>
+                              <p:cond delay="0"/>
+                            </p:stCondLst>
+                            <p:childTnLst>
+                              <p:par>
+                                <p:cTn id="5" presetID="10" presetClass="entr" presetSubtype="0" fill="hold" grpId="0" nodeType="clickEffect">
+                                  <p:stCondLst>
+                                    <p:cond delay="0"/>
+                                  </p:stCondLst>
+                                  <p:childTnLst>
+                                    <p:set>
+                                      <p:cBhvr>
+                                        <p:cTn id="6" dur="1" fill="hold">
+                                          <p:stCondLst>
+                                            <p:cond delay="0"/>
+                                          </p:stCondLst>
+                                        </p:cTn>
+                                        <p:tgtEl>
+                                          <p:spTgt spid="3">
+                                            <p:txEl>
+                                              <p:pRg st="0" end="0"/>
+                                            </p:txEl>
+                                          </p:spTgt>
+                                        </p:tgtEl>
+                                        <p:attrNameLst>
+                                          <p:attrName>style.visibility</p:attrName>
+                                        </p:attrNameLst>
+                                      </p:cBhvr>
+                                      <p:to>
+                                        <p:strVal val="visible"/>
+                                      </p:to>
+                                    </p:set>
+                                    <p:animEffect transition="in" filter="fade">
+                                      <p:cBhvr>
+                                        <p:cTn id="7" dur="500"/>
+                                        <p:tgtEl>
+                                          <p:spTgt spid="3">
+                                            <p:txEl>
+                                              <p:pRg st="0" end="0"/>
+                                            </p:txEl>
+                                          </p:spTgt>
+                                        </p:tgtEl>
+                                      </p:cBhvr>
+                                    </p:animEffect>
+                                  </p:childTnLst>
+                                </p:cTn>
+                              </p:par>
+                            </p:childTnLst>
+                          </p:cTn>
+                        </p:par>
+                      </p:childTnLst>
+                    </p:cTn>
+                  </p:par>
+                  <p:par>
+                    <p:cTn id="8" fill="hold">
+                      <p:stCondLst>
+                        <p:cond delay="indefinite"/>
+                      </p:stCondLst>
+                      <p:childTnLst>
+                        <p:par>
+                          <p:cTn id="9" fill="hold">
+                            <p:stCondLst>
+                              <p:cond delay="0"/>
+                            </p:stCondLst>
+                            <p:childTnLst>
+                              <p:par>
+                                <p:cTn id="10" presetID="10" presetClass="entr" presetSubtype="0" fill="hold" grpId="0" nodeType="clickEffect">
+                                  <p:stCondLst>
+                                    <p:cond delay="0"/>
+                                  </p:stCondLst>
+                                  <p:childTnLst>
+                                    <p:set>
+                                      <p:cBhvr>
+                                        <p:cTn id="11" dur="1" fill="hold">
+                                          <p:stCondLst>
+                                            <p:cond delay="0"/>
+                                          </p:stCondLst>
+                                        </p:cTn>
+                                        <p:tgtEl>
+                                          <p:spTgt spid="3">
+                                            <p:txEl>
+                                              <p:pRg st="1" end="1"/>
+                                            </p:txEl>
+                                          </p:spTgt>
+                                        </p:tgtEl>
+                                        <p:attrNameLst>
+                                          <p:attrName>style.visibility</p:attrName>
+                                        </p:attrNameLst>
+                                      </p:cBhvr>
+                                      <p:to>
+                                        <p:strVal val="visible"/>
+                                      </p:to>
+                                    </p:set>
+                                    <p:animEffect transition="in" filter="fade">
+                                      <p:cBhvr>
+                                        <p:cTn id="12" dur="500"/>
+                                        <p:tgtEl>
+                                          <p:spTgt spid="3">
+                                            <p:txEl>
+                                              <p:pRg st="1" end="1"/>
+                                            </p:txEl>
+                                          </p:spTgt>
+                                        </p:tgtEl>
+                                      </p:cBhvr>
+                                    </p:animEffect>
+                                  </p:childTnLst>
+                                </p:cTn>
+                              </p:par>
+                            </p:childTnLst>
+                          </p:cTn>
+                        </p:par>
+                      </p:childTnLst>
+                    </p:cTn>
+                  </p:par>
+                  <p:par>
+                    <p:cTn id="13" fill="hold">
+                      <p:stCondLst>
+                        <p:cond delay="indefinite"/>
+                      </p:stCondLst>
+                      <p:childTnLst>
+                        <p:par>
+                          <p:cTn id="14" fill="hold">
+                            <p:stCondLst>
+                              <p:cond delay="0"/>
+                            </p:stCondLst>
+                            <p:childTnLst>
+                              <p:par>
+                                <p:cTn id="15" presetID="10" presetClass="entr" presetSubtype="0" fill="hold" grpId="0" nodeType="clickEffect">
+                                  <p:stCondLst>
+                                    <p:cond delay="0"/>
+                                  </p:stCondLst>
+                                  <p:childTnLst>
+                                    <p:set>
+                                      <p:cBhvr>
+                                        <p:cTn id="16" dur="1" fill="hold">
+                                          <p:stCondLst>
+                                            <p:cond delay="0"/>
+                                          </p:stCondLst>
+                                        </p:cTn>
+                                        <p:tgtEl>
+                                          <p:spTgt spid="3">
+                                            <p:txEl>
+                                              <p:pRg st="2" end="2"/>
+                                            </p:txEl>
+                                          </p:spTgt>
+                                        </p:tgtEl>
+                                        <p:attrNameLst>
+                                          <p:attrName>style.visibility</p:attrName>
+                                        </p:attrNameLst>
+                                      </p:cBhvr>
+                                      <p:to>
+                                        <p:strVal val="visible"/>
+                                      </p:to>
+                                    </p:set>
+                                    <p:animEffect transition="in" filter="fade">
+                                      <p:cBhvr>
+                                        <p:cTn id="17" dur="500"/>
+                                        <p:tgtEl>
+                                          <p:spTgt spid="3">
+                                            <p:txEl>
+                                              <p:pRg st="2" end="2"/>
+                                            </p:txEl>
+                                          </p:spTgt>
+                                        </p:tgtEl>
+                                      </p:cBhvr>
+                                    </p:animEffect>
+                                  </p:childTnLst>
+                                </p:cTn>
+                              </p:par>
+                            </p:childTnLst>
+                          </p:cTn>
+                        </p:par>
+                      </p:childTnLst>
+                    </p:cTn>
+                  </p:par>
+                  <p:par>
+                    <p:cTn id="18" fill="hold">
+                      <p:stCondLst>
+                        <p:cond delay="indefinite"/>
+                      </p:stCondLst>
+                      <p:childTnLst>
+                        <p:par>
+                          <p:cTn id="19" fill="hold">
+                            <p:stCondLst>
+                              <p:cond delay="0"/>
+                            </p:stCondLst>
+                            <p:childTnLst>
+                              <p:par>
+                                <p:cTn id="20" presetID="10" presetClass="entr" presetSubtype="0" fill="hold" grpId="0" nodeType="clickEffect">
+                                  <p:stCondLst>
+                                    <p:cond delay="0"/>
+                                  </p:stCondLst>
+                                  <p:childTnLst>
+                                    <p:set>
+                                      <p:cBhvr>
+                                        <p:cTn id="21" dur="1" fill="hold">
+                                          <p:stCondLst>
+                                            <p:cond delay="0"/>
+                                          </p:stCondLst>
+                                        </p:cTn>
+                                        <p:tgtEl>
+                                          <p:spTgt spid="3">
+                                            <p:txEl>
+                                              <p:pRg st="3" end="3"/>
+                                            </p:txEl>
+                                          </p:spTgt>
+                                        </p:tgtEl>
+                                        <p:attrNameLst>
+                                          <p:attrName>style.visibility</p:attrName>
+                                        </p:attrNameLst>
+                                      </p:cBhvr>
+                                      <p:to>
+                                        <p:strVal val="visible"/>
+                                      </p:to>
+                                    </p:set>
+                                    <p:animEffect transition="in" filter="fade">
+                                      <p:cBhvr>
+                                        <p:cTn id="22" dur="500"/>
+                                        <p:tgtEl>
+                                          <p:spTgt spid="3">
+                                            <p:txEl>
+                                              <p:pRg st="3" end="3"/>
+                                            </p:txEl>
+                                          </p:spTgt>
+                                        </p:tgtEl>
+                                      </p:cBhvr>
+                                    </p:animEffect>
+                                  </p:childTnLst>
+                                </p:cTn>
+                              </p:par>
+                            </p:childTnLst>
+                          </p:cTn>
+                        </p:par>
+                      </p:childTnLst>
+                    </p:cTn>
+                  </p:par>
+                </p:childTnLst>
+              </p:cTn>
+              <p:prevCondLst>
+                <p:cond evt="onPrev" delay="0">
+                  <p:tgtEl>
+                    <p:sldTgt/>
+                  </p:tgtEl>
+                </p:cond>
+              </p:prevCondLst>
+              <p:nextCondLst>
+                <p:cond evt="onNext" delay="0">
+                  <p:tgtEl>
+                    <p:sldTgt/>
+                  </p:tgtEl>
+                </p:cond>
+              </p:nextCondLst>
+            </p:seq>
+          </p:childTnLst>
+        </p:cTn>
       </p:par>
     </p:tnLst>
+    <p:bldLst>
+      <p:bldP spid="3" grpId="0" build="p"/>
+    </p:bldLst>
   </p:timing>
 </p:sld>
 </file>
@@ -11282,7 +15620,7 @@
           </p:nvPr>
         </p:nvPicPr>
         <p:blipFill>
-          <a:blip r:embed="rId2">
+          <a:blip r:embed="rId3">
             <a:extLst>
               <a:ext uri="{28A0092B-C50C-407E-A947-70E740481C1C}">
                 <a14:useLocalDpi xmlns:a14="http://schemas.microsoft.com/office/drawing/2010/main" val="0"/>
@@ -11371,7 +15709,7 @@
           </p:nvPr>
         </p:nvPicPr>
         <p:blipFill>
-          <a:blip r:embed="rId2">
+          <a:blip r:embed="rId3">
             <a:extLst>
               <a:ext uri="{28A0092B-C50C-407E-A947-70E740481C1C}">
                 <a14:useLocalDpi xmlns:a14="http://schemas.microsoft.com/office/drawing/2010/main" val="0"/>
@@ -11460,7 +15798,7 @@
           </p:nvPr>
         </p:nvPicPr>
         <p:blipFill>
-          <a:blip r:embed="rId2">
+          <a:blip r:embed="rId3">
             <a:extLst>
               <a:ext uri="{28A0092B-C50C-407E-A947-70E740481C1C}">
                 <a14:useLocalDpi xmlns:a14="http://schemas.microsoft.com/office/drawing/2010/main" val="0"/>
@@ -11549,7 +15887,7 @@
           </p:nvPr>
         </p:nvPicPr>
         <p:blipFill>
-          <a:blip r:embed="rId2">
+          <a:blip r:embed="rId3">
             <a:extLst>
               <a:ext uri="{28A0092B-C50C-407E-A947-70E740481C1C}">
                 <a14:useLocalDpi xmlns:a14="http://schemas.microsoft.com/office/drawing/2010/main" val="0"/>
@@ -11638,7 +15976,7 @@
           </p:nvPr>
         </p:nvPicPr>
         <p:blipFill>
-          <a:blip r:embed="rId2">
+          <a:blip r:embed="rId3">
             <a:extLst>
               <a:ext uri="{28A0092B-C50C-407E-A947-70E740481C1C}">
                 <a14:useLocalDpi xmlns:a14="http://schemas.microsoft.com/office/drawing/2010/main" val="0"/>
@@ -11667,7 +16005,7 @@
           </p:nvPr>
         </p:nvPicPr>
         <p:blipFill>
-          <a:blip r:embed="rId3">
+          <a:blip r:embed="rId4">
             <a:extLst>
               <a:ext uri="{28A0092B-C50C-407E-A947-70E740481C1C}">
                 <a14:useLocalDpi xmlns:a14="http://schemas.microsoft.com/office/drawing/2010/main" val="0"/>
@@ -11698,7 +16036,136 @@
   <p:timing>
     <p:tnLst>
       <p:par>
-        <p:cTn id="1" dur="indefinite" restart="never" nodeType="tmRoot"/>
+        <p:cTn id="1" dur="indefinite" restart="never" nodeType="tmRoot">
+          <p:childTnLst>
+            <p:seq concurrent="1" nextAc="seek">
+              <p:cTn id="2" dur="indefinite" nodeType="mainSeq">
+                <p:childTnLst>
+                  <p:par>
+                    <p:cTn id="3" fill="hold">
+                      <p:stCondLst>
+                        <p:cond delay="indefinite"/>
+                      </p:stCondLst>
+                      <p:childTnLst>
+                        <p:par>
+                          <p:cTn id="4" fill="hold">
+                            <p:stCondLst>
+                              <p:cond delay="0"/>
+                            </p:stCondLst>
+                            <p:childTnLst>
+                              <p:par>
+                                <p:cTn id="5" presetID="10" presetClass="entr" presetSubtype="0" fill="hold" nodeType="clickEffect">
+                                  <p:stCondLst>
+                                    <p:cond delay="0"/>
+                                  </p:stCondLst>
+                                  <p:childTnLst>
+                                    <p:set>
+                                      <p:cBhvr>
+                                        <p:cTn id="6" dur="1" fill="hold">
+                                          <p:stCondLst>
+                                            <p:cond delay="0"/>
+                                          </p:stCondLst>
+                                        </p:cTn>
+                                        <p:tgtEl>
+                                          <p:spTgt spid="5"/>
+                                        </p:tgtEl>
+                                        <p:attrNameLst>
+                                          <p:attrName>style.visibility</p:attrName>
+                                        </p:attrNameLst>
+                                      </p:cBhvr>
+                                      <p:to>
+                                        <p:strVal val="visible"/>
+                                      </p:to>
+                                    </p:set>
+                                    <p:animEffect transition="in" filter="fade">
+                                      <p:cBhvr>
+                                        <p:cTn id="7" dur="500"/>
+                                        <p:tgtEl>
+                                          <p:spTgt spid="5"/>
+                                        </p:tgtEl>
+                                      </p:cBhvr>
+                                    </p:animEffect>
+                                  </p:childTnLst>
+                                </p:cTn>
+                              </p:par>
+                            </p:childTnLst>
+                          </p:cTn>
+                        </p:par>
+                      </p:childTnLst>
+                    </p:cTn>
+                  </p:par>
+                  <p:par>
+                    <p:cTn id="8" fill="hold">
+                      <p:stCondLst>
+                        <p:cond delay="indefinite"/>
+                      </p:stCondLst>
+                      <p:childTnLst>
+                        <p:par>
+                          <p:cTn id="9" fill="hold">
+                            <p:stCondLst>
+                              <p:cond delay="0"/>
+                            </p:stCondLst>
+                            <p:childTnLst>
+                              <p:par>
+                                <p:cTn id="10" presetID="10" presetClass="entr" presetSubtype="0" fill="hold" nodeType="clickEffect">
+                                  <p:stCondLst>
+                                    <p:cond delay="0"/>
+                                  </p:stCondLst>
+                                  <p:childTnLst>
+                                    <p:set>
+                                      <p:cBhvr>
+                                        <p:cTn id="11" dur="1" fill="hold">
+                                          <p:stCondLst>
+                                            <p:cond delay="0"/>
+                                          </p:stCondLst>
+                                        </p:cTn>
+                                        <p:tgtEl>
+                                          <p:spTgt spid="6"/>
+                                        </p:tgtEl>
+                                        <p:attrNameLst>
+                                          <p:attrName>style.visibility</p:attrName>
+                                        </p:attrNameLst>
+                                      </p:cBhvr>
+                                      <p:to>
+                                        <p:strVal val="visible"/>
+                                      </p:to>
+                                    </p:set>
+                                    <p:animEffect transition="in" filter="fade">
+                                      <p:cBhvr>
+                                        <p:cTn id="12" dur="500"/>
+                                        <p:tgtEl>
+                                          <p:spTgt spid="6"/>
+                                        </p:tgtEl>
+                                      </p:cBhvr>
+                                    </p:animEffect>
+                                  </p:childTnLst>
+                                </p:cTn>
+                              </p:par>
+                            </p:childTnLst>
+                          </p:cTn>
+                        </p:par>
+                      </p:childTnLst>
+                    </p:cTn>
+                  </p:par>
+                </p:childTnLst>
+              </p:cTn>
+              <p:prevCondLst>
+                <p:cond evt="onPrev" delay="0">
+                  <p:tgtEl>
+                    <p:sldTgt/>
+                  </p:tgtEl>
+                </p:cond>
+              </p:prevCondLst>
+              <p:nextCondLst>
+                <p:cond evt="onNext" delay="0">
+                  <p:tgtEl>
+                    <p:sldTgt/>
+                  </p:tgtEl>
+                </p:cond>
+              </p:nextCondLst>
+            </p:seq>
+          </p:childTnLst>
+        </p:cTn>
       </p:par>
     </p:tnLst>
   </p:timing>
@@ -12151,4 +16618,265 @@
     </a:ext>
   </a:extLst>
 </a:theme>
+</file>
+
+<file path=ppt/theme/theme2.xml><?xml version="1.0" encoding="utf-8"?>
+<a:theme xmlns:a="http://schemas.openxmlformats.org/drawingml/2006/main" name="Tema di Office">
+  <a:themeElements>
+    <a:clrScheme name="Office">
+      <a:dk1>
+        <a:sysClr val="windowText" lastClr="000000"/>
+      </a:dk1>
+      <a:lt1>
+        <a:sysClr val="window" lastClr="FFFFFF"/>
+      </a:lt1>
+      <a:dk2>
+        <a:srgbClr val="44546A"/>
+      </a:dk2>
+      <a:lt2>
+        <a:srgbClr val="E7E6E6"/>
+      </a:lt2>
+      <a:accent1>
+        <a:srgbClr val="5B9BD5"/>
+      </a:accent1>
+      <a:accent2>
+        <a:srgbClr val="ED7D31"/>
+      </a:accent2>
+      <a:accent3>
+        <a:srgbClr val="A5A5A5"/>
+      </a:accent3>
+      <a:accent4>
+        <a:srgbClr val="FFC000"/>
+      </a:accent4>
+      <a:accent5>
+        <a:srgbClr val="4472C4"/>
+      </a:accent5>
+      <a:accent6>
+        <a:srgbClr val="70AD47"/>
+      </a:accent6>
+      <a:hlink>
+        <a:srgbClr val="0563C1"/>
+      </a:hlink>
+      <a:folHlink>
+        <a:srgbClr val="954F72"/>
+      </a:folHlink>
+    </a:clrScheme>
+    <a:fontScheme name="Office">
+      <a:majorFont>
+        <a:latin typeface="Calibri Light" panose="020F0302020204030204"/>
+        <a:ea typeface=""/>
+        <a:cs typeface=""/>
+        <a:font script="Jpan" typeface="游ゴシック Light"/>
+        <a:font script="Hang" typeface="맑은 고딕"/>
+        <a:font script="Hans" typeface="等线 Light"/>
+        <a:font script="Hant" typeface="新細明體"/>
+        <a:font script="Arab" typeface="Times New Roman"/>
+        <a:font script="Hebr" typeface="Times New Roman"/>
+        <a:font script="Thai" typeface="Angsana New"/>
+        <a:font script="Ethi" typeface="Nyala"/>
+        <a:font script="Beng" typeface="Vrinda"/>
+        <a:font script="Gujr" typeface="Shruti"/>
+        <a:font script="Khmr" typeface="MoolBoran"/>
+        <a:font script="Knda" typeface="Tunga"/>
+        <a:font script="Guru" typeface="Raavi"/>
+        <a:font script="Cans" typeface="Euphemia"/>
+        <a:font script="Cher" typeface="Plantagenet Cherokee"/>
+        <a:font script="Yiii" typeface="Microsoft Yi Baiti"/>
+        <a:font script="Tibt" typeface="Microsoft Himalaya"/>
+        <a:font script="Thaa" typeface="MV Boli"/>
+        <a:font script="Deva" typeface="Mangal"/>
+        <a:font script="Telu" typeface="Gautami"/>
+        <a:font script="Taml" typeface="Latha"/>
+        <a:font script="Syrc" typeface="Estrangelo Edessa"/>
+        <a:font script="Orya" typeface="Kalinga"/>
+        <a:font script="Mlym" typeface="Kartika"/>
+        <a:font script="Laoo" typeface="DokChampa"/>
+        <a:font script="Sinh" typeface="Iskoola Pota"/>
+        <a:font script="Mong" typeface="Mongolian Baiti"/>
+        <a:font script="Viet" typeface="Times New Roman"/>
+        <a:font script="Uigh" typeface="Microsoft Uighur"/>
+        <a:font script="Geor" typeface="Sylfaen"/>
+      </a:majorFont>
+      <a:minorFont>
+        <a:latin typeface="Calibri" panose="020F0502020204030204"/>
+        <a:ea typeface=""/>
+        <a:cs typeface=""/>
+        <a:font script="Jpan" typeface="游ゴシック"/>
+        <a:font script="Hang" typeface="맑은 고딕"/>
+        <a:font script="Hans" typeface="等线"/>
+        <a:font script="Hant" typeface="新細明體"/>
+        <a:font script="Arab" typeface="Arial"/>
+        <a:font script="Hebr" typeface="Arial"/>
+        <a:font script="Thai" typeface="Cordia New"/>
+        <a:font script="Ethi" typeface="Nyala"/>
+        <a:font script="Beng" typeface="Vrinda"/>
+        <a:font script="Gujr" typeface="Shruti"/>
+        <a:font script="Khmr" typeface="DaunPenh"/>
+        <a:font script="Knda" typeface="Tunga"/>
+        <a:font script="Guru" typeface="Raavi"/>
+        <a:font script="Cans" typeface="Euphemia"/>
+        <a:font script="Cher" typeface="Plantagenet Cherokee"/>
+        <a:font script="Yiii" typeface="Microsoft Yi Baiti"/>
+        <a:font script="Tibt" typeface="Microsoft Himalaya"/>
+        <a:font script="Thaa" typeface="MV Boli"/>
+        <a:font script="Deva" typeface="Mangal"/>
+        <a:font script="Telu" typeface="Gautami"/>
+        <a:font script="Taml" typeface="Latha"/>
+        <a:font script="Syrc" typeface="Estrangelo Edessa"/>
+        <a:font script="Orya" typeface="Kalinga"/>
+        <a:font script="Mlym" typeface="Kartika"/>
+        <a:font script="Laoo" typeface="DokChampa"/>
+        <a:font script="Sinh" typeface="Iskoola Pota"/>
+        <a:font script="Mong" typeface="Mongolian Baiti"/>
+        <a:font script="Viet" typeface="Arial"/>
+        <a:font script="Uigh" typeface="Microsoft Uighur"/>
+        <a:font script="Geor" typeface="Sylfaen"/>
+      </a:minorFont>
+    </a:fontScheme>
+    <a:fmtScheme name="Office">
+      <a:fillStyleLst>
+        <a:solidFill>
+          <a:schemeClr val="phClr"/>
+        </a:solidFill>
+        <a:gradFill rotWithShape="1">
+          <a:gsLst>
+            <a:gs pos="0">
+              <a:schemeClr val="phClr">
+                <a:lumMod val="110000"/>
+                <a:satMod val="105000"/>
+                <a:tint val="67000"/>
+              </a:schemeClr>
+            </a:gs>
+            <a:gs pos="50000">
+              <a:schemeClr val="phClr">
+                <a:lumMod val="105000"/>
+                <a:satMod val="103000"/>
+                <a:tint val="73000"/>
+              </a:schemeClr>
+            </a:gs>
+            <a:gs pos="100000">
+              <a:schemeClr val="phClr">
+                <a:lumMod val="105000"/>
+                <a:satMod val="109000"/>
+                <a:tint val="81000"/>
+              </a:schemeClr>
+            </a:gs>
+          </a:gsLst>
+          <a:lin ang="5400000" scaled="0"/>
+        </a:gradFill>
+        <a:gradFill rotWithShape="1">
+          <a:gsLst>
+            <a:gs pos="0">
+              <a:schemeClr val="phClr">
+                <a:satMod val="103000"/>
+                <a:lumMod val="102000"/>
+                <a:tint val="94000"/>
+              </a:schemeClr>
+            </a:gs>
+            <a:gs pos="50000">
+              <a:schemeClr val="phClr">
+                <a:satMod val="110000"/>
+                <a:lumMod val="100000"/>
+                <a:shade val="100000"/>
+              </a:schemeClr>
+            </a:gs>
+            <a:gs pos="100000">
+              <a:schemeClr val="phClr">
+                <a:lumMod val="99000"/>
+                <a:satMod val="120000"/>
+                <a:shade val="78000"/>
+              </a:schemeClr>
+            </a:gs>
+          </a:gsLst>
+          <a:lin ang="5400000" scaled="0"/>
+        </a:gradFill>
+      </a:fillStyleLst>
+      <a:lnStyleLst>
+        <a:ln w="6350" cap="flat" cmpd="sng" algn="ctr">
+          <a:solidFill>
+            <a:schemeClr val="phClr"/>
+          </a:solidFill>
+          <a:prstDash val="solid"/>
+          <a:miter lim="800000"/>
+        </a:ln>
+        <a:ln w="12700" cap="flat" cmpd="sng" algn="ctr">
+          <a:solidFill>
+            <a:schemeClr val="phClr"/>
+          </a:solidFill>
+          <a:prstDash val="solid"/>
+          <a:miter lim="800000"/>
+        </a:ln>
+        <a:ln w="19050" cap="flat" cmpd="sng" algn="ctr">
+          <a:solidFill>
+            <a:schemeClr val="phClr"/>
+          </a:solidFill>
+          <a:prstDash val="solid"/>
+          <a:miter lim="800000"/>
+        </a:ln>
+      </a:lnStyleLst>
+      <a:effectStyleLst>
+        <a:effectStyle>
+          <a:effectLst/>
+        </a:effectStyle>
+        <a:effectStyle>
+          <a:effectLst/>
+        </a:effectStyle>
+        <a:effectStyle>
+          <a:effectLst>
+            <a:outerShdw blurRad="57150" dist="19050" dir="5400000" algn="ctr" rotWithShape="0">
+              <a:srgbClr val="000000">
+                <a:alpha val="63000"/>
+              </a:srgbClr>
+            </a:outerShdw>
+          </a:effectLst>
+        </a:effectStyle>
+      </a:effectStyleLst>
+      <a:bgFillStyleLst>
+        <a:solidFill>
+          <a:schemeClr val="phClr"/>
+        </a:solidFill>
+        <a:solidFill>
+          <a:schemeClr val="phClr">
+            <a:tint val="95000"/>
+            <a:satMod val="170000"/>
+          </a:schemeClr>
+        </a:solidFill>
+        <a:gradFill rotWithShape="1">
+          <a:gsLst>
+            <a:gs pos="0">
+              <a:schemeClr val="phClr">
+                <a:tint val="93000"/>
+                <a:satMod val="150000"/>
+                <a:shade val="98000"/>
+                <a:lumMod val="102000"/>
+              </a:schemeClr>
+            </a:gs>
+            <a:gs pos="50000">
+              <a:schemeClr val="phClr">
+                <a:tint val="98000"/>
+                <a:satMod val="130000"/>
+                <a:shade val="90000"/>
+                <a:lumMod val="103000"/>
+              </a:schemeClr>
+            </a:gs>
+            <a:gs pos="100000">
+              <a:schemeClr val="phClr">
+                <a:shade val="63000"/>
+                <a:satMod val="120000"/>
+              </a:schemeClr>
+            </a:gs>
+          </a:gsLst>
+          <a:lin ang="5400000" scaled="0"/>
+        </a:gradFill>
+      </a:bgFillStyleLst>
+    </a:fmtScheme>
+  </a:themeElements>
+  <a:objectDefaults/>
+  <a:extraClrSchemeLst/>
+  <a:extLst>
+    <a:ext uri="{05A4C25C-085E-4340-85A3-A5531E510DB2}">
+      <thm15:themeFamily xmlns:thm15="http://schemas.microsoft.com/office/thememl/2012/main" name="Office Theme" id="{62F939B6-93AF-4DB8-9C6B-D6C7DFDC589F}" vid="{4A3C46E8-61CC-4603-A589-7422A47A8E4A}"/>
+    </a:ext>
+  </a:extLst>
+</a:theme>
 </file>